--- a/Documents/User manual/DF Ticketing System USER MANUAL.pptx
+++ b/Documents/User manual/DF Ticketing System USER MANUAL.pptx
@@ -5,61 +5,62 @@
     <p:sldMasterId id="2147483672" r:id="rId1"/>
   </p:sldMasterIdLst>
   <p:notesMasterIdLst>
-    <p:notesMasterId r:id="rId23"/>
+    <p:notesMasterId r:id="rId24"/>
   </p:notesMasterIdLst>
   <p:sldIdLst>
     <p:sldId id="256" r:id="rId2"/>
     <p:sldId id="257" r:id="rId3"/>
     <p:sldId id="258" r:id="rId4"/>
-    <p:sldId id="302" r:id="rId5"/>
-    <p:sldId id="279" r:id="rId6"/>
-    <p:sldId id="281" r:id="rId7"/>
-    <p:sldId id="280" r:id="rId8"/>
-    <p:sldId id="282" r:id="rId9"/>
-    <p:sldId id="283" r:id="rId10"/>
-    <p:sldId id="285" r:id="rId11"/>
-    <p:sldId id="286" r:id="rId12"/>
-    <p:sldId id="287" r:id="rId13"/>
-    <p:sldId id="284" r:id="rId14"/>
-    <p:sldId id="305" r:id="rId15"/>
-    <p:sldId id="306" r:id="rId16"/>
-    <p:sldId id="288" r:id="rId17"/>
-    <p:sldId id="303" r:id="rId18"/>
-    <p:sldId id="304" r:id="rId19"/>
-    <p:sldId id="289" r:id="rId20"/>
-    <p:sldId id="301" r:id="rId21"/>
-    <p:sldId id="278" r:id="rId22"/>
+    <p:sldId id="279" r:id="rId5"/>
+    <p:sldId id="281" r:id="rId6"/>
+    <p:sldId id="280" r:id="rId7"/>
+    <p:sldId id="282" r:id="rId8"/>
+    <p:sldId id="283" r:id="rId9"/>
+    <p:sldId id="285" r:id="rId10"/>
+    <p:sldId id="286" r:id="rId11"/>
+    <p:sldId id="287" r:id="rId12"/>
+    <p:sldId id="284" r:id="rId13"/>
+    <p:sldId id="305" r:id="rId14"/>
+    <p:sldId id="306" r:id="rId15"/>
+    <p:sldId id="288" r:id="rId16"/>
+    <p:sldId id="303" r:id="rId17"/>
+    <p:sldId id="310" r:id="rId18"/>
+    <p:sldId id="308" r:id="rId19"/>
+    <p:sldId id="304" r:id="rId20"/>
+    <p:sldId id="289" r:id="rId21"/>
+    <p:sldId id="301" r:id="rId22"/>
+    <p:sldId id="278" r:id="rId23"/>
   </p:sldIdLst>
   <p:sldSz cx="12192000" cy="6858000"/>
   <p:notesSz cx="6858000" cy="9144000"/>
   <p:embeddedFontLst>
     <p:embeddedFont>
       <p:font typeface="Poppins" panose="00000500000000000000" pitchFamily="2" charset="0"/>
-      <p:regular r:id="rId24"/>
-      <p:bold r:id="rId25"/>
-      <p:italic r:id="rId26"/>
-      <p:boldItalic r:id="rId27"/>
+      <p:regular r:id="rId25"/>
+      <p:bold r:id="rId26"/>
+      <p:italic r:id="rId27"/>
+      <p:boldItalic r:id="rId28"/>
     </p:embeddedFont>
     <p:embeddedFont>
       <p:font typeface="Poppins Light" panose="00000400000000000000" pitchFamily="2" charset="0"/>
-      <p:regular r:id="rId28"/>
-      <p:bold r:id="rId29"/>
-      <p:italic r:id="rId30"/>
-      <p:boldItalic r:id="rId31"/>
+      <p:regular r:id="rId29"/>
+      <p:bold r:id="rId30"/>
+      <p:italic r:id="rId31"/>
+      <p:boldItalic r:id="rId32"/>
     </p:embeddedFont>
     <p:embeddedFont>
       <p:font typeface="Raleway Light" pitchFamily="2" charset="0"/>
-      <p:regular r:id="rId32"/>
-      <p:bold r:id="rId33"/>
-      <p:italic r:id="rId34"/>
-      <p:boldItalic r:id="rId35"/>
+      <p:regular r:id="rId33"/>
+      <p:bold r:id="rId34"/>
+      <p:italic r:id="rId35"/>
+      <p:boldItalic r:id="rId36"/>
     </p:embeddedFont>
     <p:embeddedFont>
       <p:font typeface="Trebuchet MS" panose="020B0603020202020204" pitchFamily="34" charset="0"/>
-      <p:regular r:id="rId36"/>
-      <p:bold r:id="rId37"/>
-      <p:italic r:id="rId38"/>
-      <p:boldItalic r:id="rId39"/>
+      <p:regular r:id="rId37"/>
+      <p:bold r:id="rId38"/>
+      <p:italic r:id="rId39"/>
+      <p:boldItalic r:id="rId40"/>
     </p:embeddedFont>
   </p:embeddedFontLst>
   <p:defaultTextStyle>
@@ -1650,133 +1651,6 @@
         <p:cNvPr id="1" name="Shape 189">
           <a:extLst>
             <a:ext uri="{FF2B5EF4-FFF2-40B4-BE49-F238E27FC236}">
-              <a16:creationId xmlns:a16="http://schemas.microsoft.com/office/drawing/2014/main" id="{07A36D95-A502-1AB5-7785-A94881CFC587}"/>
-            </a:ext>
-          </a:extLst>
-        </p:cNvPr>
-        <p:cNvGrpSpPr/>
-        <p:nvPr/>
-      </p:nvGrpSpPr>
-      <p:grpSpPr>
-        <a:xfrm>
-          <a:off x="0" y="0"/>
-          <a:ext cx="0" cy="0"/>
-          <a:chOff x="0" y="0"/>
-          <a:chExt cx="0" cy="0"/>
-        </a:xfrm>
-      </p:grpSpPr>
-      <p:sp>
-        <p:nvSpPr>
-          <p:cNvPr id="190" name="Google Shape;190;p2:notes">
-            <a:extLst>
-              <a:ext uri="{FF2B5EF4-FFF2-40B4-BE49-F238E27FC236}">
-                <a16:creationId xmlns:a16="http://schemas.microsoft.com/office/drawing/2014/main" id="{03013317-D0B2-D3EB-290C-00ECE731D1C3}"/>
-              </a:ext>
-            </a:extLst>
-          </p:cNvPr>
-          <p:cNvSpPr txBox="1">
-            <a:spLocks noGrp="1"/>
-          </p:cNvSpPr>
-          <p:nvPr>
-            <p:ph type="body" idx="1"/>
-          </p:nvPr>
-        </p:nvSpPr>
-        <p:spPr>
-          <a:xfrm>
-            <a:off x="685800" y="4400550"/>
-            <a:ext cx="5486400" cy="3600450"/>
-          </a:xfrm>
-          <a:prstGeom prst="rect">
-            <a:avLst/>
-          </a:prstGeom>
-        </p:spPr>
-        <p:txBody>
-          <a:bodyPr spcFirstLastPara="1" wrap="square" lIns="91425" tIns="45700" rIns="91425" bIns="45700" anchor="t" anchorCtr="0">
-            <a:noAutofit/>
-          </a:bodyPr>
-          <a:lstStyle/>
-          <a:p>
-            <a:pPr marL="0" lvl="0" indent="0" algn="l" rtl="0">
-              <a:spcBef>
-                <a:spcPts val="0"/>
-              </a:spcBef>
-              <a:spcAft>
-                <a:spcPts val="0"/>
-              </a:spcAft>
-              <a:buNone/>
-            </a:pPr>
-            <a:endParaRPr/>
-          </a:p>
-        </p:txBody>
-      </p:sp>
-      <p:sp>
-        <p:nvSpPr>
-          <p:cNvPr id="191" name="Google Shape;191;p2:notes">
-            <a:extLst>
-              <a:ext uri="{FF2B5EF4-FFF2-40B4-BE49-F238E27FC236}">
-                <a16:creationId xmlns:a16="http://schemas.microsoft.com/office/drawing/2014/main" id="{B30BEBAC-4D0A-4A85-E035-6DB9CFA9632D}"/>
-              </a:ext>
-            </a:extLst>
-          </p:cNvPr>
-          <p:cNvSpPr>
-            <a:spLocks noGrp="1" noRot="1" noChangeAspect="1"/>
-          </p:cNvSpPr>
-          <p:nvPr>
-            <p:ph type="sldImg" idx="2"/>
-          </p:nvPr>
-        </p:nvSpPr>
-        <p:spPr>
-          <a:xfrm>
-            <a:off x="685800" y="1143000"/>
-            <a:ext cx="5486400" cy="3086100"/>
-          </a:xfrm>
-          <a:custGeom>
-            <a:avLst/>
-            <a:gdLst/>
-            <a:ahLst/>
-            <a:cxnLst/>
-            <a:rect l="l" t="t" r="r" b="b"/>
-            <a:pathLst>
-              <a:path w="120000" h="120000" extrusionOk="0">
-                <a:moveTo>
-                  <a:pt x="0" y="0"/>
-                </a:moveTo>
-                <a:lnTo>
-                  <a:pt x="120000" y="0"/>
-                </a:lnTo>
-                <a:lnTo>
-                  <a:pt x="120000" y="120000"/>
-                </a:lnTo>
-                <a:lnTo>
-                  <a:pt x="0" y="120000"/>
-                </a:lnTo>
-                <a:close/>
-              </a:path>
-            </a:pathLst>
-          </a:custGeom>
-        </p:spPr>
-      </p:sp>
-    </p:spTree>
-    <p:extLst>
-      <p:ext uri="{BB962C8B-B14F-4D97-AF65-F5344CB8AC3E}">
-        <p14:creationId xmlns:p14="http://schemas.microsoft.com/office/powerpoint/2010/main" val="1738531925"/>
-      </p:ext>
-    </p:extLst>
-  </p:cSld>
-  <p:clrMapOvr>
-    <a:masterClrMapping/>
-  </p:clrMapOvr>
-</p:notes>
-</file>
-
-<file path=ppt/notesSlides/notesSlide11.xml><?xml version="1.0" encoding="utf-8"?>
-<p:notes xmlns:a="http://schemas.openxmlformats.org/drawingml/2006/main" xmlns:r="http://schemas.openxmlformats.org/officeDocument/2006/relationships" xmlns:p="http://schemas.openxmlformats.org/presentationml/2006/main" showMasterSp="0" showMasterPhAnim="0">
-  <p:cSld>
-    <p:spTree>
-      <p:nvGrpSpPr>
-        <p:cNvPr id="1" name="Shape 189">
-          <a:extLst>
-            <a:ext uri="{FF2B5EF4-FFF2-40B4-BE49-F238E27FC236}">
               <a16:creationId xmlns:a16="http://schemas.microsoft.com/office/drawing/2014/main" id="{1E3B00A7-0E72-597F-7097-7529A2841A2A}"/>
             </a:ext>
           </a:extLst>
@@ -1896,7 +1770,7 @@
 </p:notes>
 </file>
 
-<file path=ppt/notesSlides/notesSlide12.xml><?xml version="1.0" encoding="utf-8"?>
+<file path=ppt/notesSlides/notesSlide11.xml><?xml version="1.0" encoding="utf-8"?>
 <p:notes xmlns:a="http://schemas.openxmlformats.org/drawingml/2006/main" xmlns:r="http://schemas.openxmlformats.org/officeDocument/2006/relationships" xmlns:p="http://schemas.openxmlformats.org/presentationml/2006/main" showMasterSp="0" showMasterPhAnim="0">
   <p:cSld>
     <p:spTree>
@@ -2023,7 +1897,7 @@
 </p:notes>
 </file>
 
-<file path=ppt/notesSlides/notesSlide13.xml><?xml version="1.0" encoding="utf-8"?>
+<file path=ppt/notesSlides/notesSlide12.xml><?xml version="1.0" encoding="utf-8"?>
 <p:notes xmlns:a="http://schemas.openxmlformats.org/drawingml/2006/main" xmlns:r="http://schemas.openxmlformats.org/officeDocument/2006/relationships" xmlns:p="http://schemas.openxmlformats.org/presentationml/2006/main" showMasterSp="0" showMasterPhAnim="0">
   <p:cSld>
     <p:spTree>
@@ -2150,7 +2024,7 @@
 </p:notes>
 </file>
 
-<file path=ppt/notesSlides/notesSlide14.xml><?xml version="1.0" encoding="utf-8"?>
+<file path=ppt/notesSlides/notesSlide13.xml><?xml version="1.0" encoding="utf-8"?>
 <p:notes xmlns:a="http://schemas.openxmlformats.org/drawingml/2006/main" xmlns:r="http://schemas.openxmlformats.org/officeDocument/2006/relationships" xmlns:p="http://schemas.openxmlformats.org/presentationml/2006/main" showMasterSp="0" showMasterPhAnim="0">
   <p:cSld>
     <p:spTree>
@@ -2277,7 +2151,7 @@
 </p:notes>
 </file>
 
-<file path=ppt/notesSlides/notesSlide15.xml><?xml version="1.0" encoding="utf-8"?>
+<file path=ppt/notesSlides/notesSlide14.xml><?xml version="1.0" encoding="utf-8"?>
 <p:notes xmlns:a="http://schemas.openxmlformats.org/drawingml/2006/main" xmlns:r="http://schemas.openxmlformats.org/officeDocument/2006/relationships" xmlns:p="http://schemas.openxmlformats.org/presentationml/2006/main" showMasterSp="0" showMasterPhAnim="0">
   <p:cSld>
     <p:spTree>
@@ -2404,7 +2278,7 @@
 </p:notes>
 </file>
 
-<file path=ppt/notesSlides/notesSlide16.xml><?xml version="1.0" encoding="utf-8"?>
+<file path=ppt/notesSlides/notesSlide15.xml><?xml version="1.0" encoding="utf-8"?>
 <p:notes xmlns:a="http://schemas.openxmlformats.org/drawingml/2006/main" xmlns:r="http://schemas.openxmlformats.org/officeDocument/2006/relationships" xmlns:p="http://schemas.openxmlformats.org/presentationml/2006/main" showMasterSp="0" showMasterPhAnim="0">
   <p:cSld>
     <p:spTree>
@@ -2531,7 +2405,7 @@
 </p:notes>
 </file>
 
-<file path=ppt/notesSlides/notesSlide17.xml><?xml version="1.0" encoding="utf-8"?>
+<file path=ppt/notesSlides/notesSlide16.xml><?xml version="1.0" encoding="utf-8"?>
 <p:notes xmlns:a="http://schemas.openxmlformats.org/drawingml/2006/main" xmlns:r="http://schemas.openxmlformats.org/officeDocument/2006/relationships" xmlns:p="http://schemas.openxmlformats.org/presentationml/2006/main" showMasterSp="0" showMasterPhAnim="0">
   <p:cSld>
     <p:spTree>
@@ -2844,133 +2718,6 @@
 </file>
 
 <file path=ppt/notesSlides/notesSlide4.xml><?xml version="1.0" encoding="utf-8"?>
-<p:notes xmlns:a="http://schemas.openxmlformats.org/drawingml/2006/main" xmlns:r="http://schemas.openxmlformats.org/officeDocument/2006/relationships" xmlns:p="http://schemas.openxmlformats.org/presentationml/2006/main" showMasterSp="0" showMasterPhAnim="0">
-  <p:cSld>
-    <p:spTree>
-      <p:nvGrpSpPr>
-        <p:cNvPr id="1" name="Shape 189">
-          <a:extLst>
-            <a:ext uri="{FF2B5EF4-FFF2-40B4-BE49-F238E27FC236}">
-              <a16:creationId xmlns:a16="http://schemas.microsoft.com/office/drawing/2014/main" id="{604D30E6-6928-E2E2-F5C3-2862779D836B}"/>
-            </a:ext>
-          </a:extLst>
-        </p:cNvPr>
-        <p:cNvGrpSpPr/>
-        <p:nvPr/>
-      </p:nvGrpSpPr>
-      <p:grpSpPr>
-        <a:xfrm>
-          <a:off x="0" y="0"/>
-          <a:ext cx="0" cy="0"/>
-          <a:chOff x="0" y="0"/>
-          <a:chExt cx="0" cy="0"/>
-        </a:xfrm>
-      </p:grpSpPr>
-      <p:sp>
-        <p:nvSpPr>
-          <p:cNvPr id="190" name="Google Shape;190;p2:notes">
-            <a:extLst>
-              <a:ext uri="{FF2B5EF4-FFF2-40B4-BE49-F238E27FC236}">
-                <a16:creationId xmlns:a16="http://schemas.microsoft.com/office/drawing/2014/main" id="{1DF6C7B3-76BF-71A2-7063-27E2BE323E98}"/>
-              </a:ext>
-            </a:extLst>
-          </p:cNvPr>
-          <p:cNvSpPr txBox="1">
-            <a:spLocks noGrp="1"/>
-          </p:cNvSpPr>
-          <p:nvPr>
-            <p:ph type="body" idx="1"/>
-          </p:nvPr>
-        </p:nvSpPr>
-        <p:spPr>
-          <a:xfrm>
-            <a:off x="685800" y="4400550"/>
-            <a:ext cx="5486400" cy="3600450"/>
-          </a:xfrm>
-          <a:prstGeom prst="rect">
-            <a:avLst/>
-          </a:prstGeom>
-        </p:spPr>
-        <p:txBody>
-          <a:bodyPr spcFirstLastPara="1" wrap="square" lIns="91425" tIns="45700" rIns="91425" bIns="45700" anchor="t" anchorCtr="0">
-            <a:noAutofit/>
-          </a:bodyPr>
-          <a:lstStyle/>
-          <a:p>
-            <a:pPr marL="0" lvl="0" indent="0" algn="l" rtl="0">
-              <a:spcBef>
-                <a:spcPts val="0"/>
-              </a:spcBef>
-              <a:spcAft>
-                <a:spcPts val="0"/>
-              </a:spcAft>
-              <a:buNone/>
-            </a:pPr>
-            <a:endParaRPr/>
-          </a:p>
-        </p:txBody>
-      </p:sp>
-      <p:sp>
-        <p:nvSpPr>
-          <p:cNvPr id="191" name="Google Shape;191;p2:notes">
-            <a:extLst>
-              <a:ext uri="{FF2B5EF4-FFF2-40B4-BE49-F238E27FC236}">
-                <a16:creationId xmlns:a16="http://schemas.microsoft.com/office/drawing/2014/main" id="{6E982A76-8A12-61B6-799E-626238009C23}"/>
-              </a:ext>
-            </a:extLst>
-          </p:cNvPr>
-          <p:cNvSpPr>
-            <a:spLocks noGrp="1" noRot="1" noChangeAspect="1"/>
-          </p:cNvSpPr>
-          <p:nvPr>
-            <p:ph type="sldImg" idx="2"/>
-          </p:nvPr>
-        </p:nvSpPr>
-        <p:spPr>
-          <a:xfrm>
-            <a:off x="685800" y="1143000"/>
-            <a:ext cx="5486400" cy="3086100"/>
-          </a:xfrm>
-          <a:custGeom>
-            <a:avLst/>
-            <a:gdLst/>
-            <a:ahLst/>
-            <a:cxnLst/>
-            <a:rect l="l" t="t" r="r" b="b"/>
-            <a:pathLst>
-              <a:path w="120000" h="120000" extrusionOk="0">
-                <a:moveTo>
-                  <a:pt x="0" y="0"/>
-                </a:moveTo>
-                <a:lnTo>
-                  <a:pt x="120000" y="0"/>
-                </a:lnTo>
-                <a:lnTo>
-                  <a:pt x="120000" y="120000"/>
-                </a:lnTo>
-                <a:lnTo>
-                  <a:pt x="0" y="120000"/>
-                </a:lnTo>
-                <a:close/>
-              </a:path>
-            </a:pathLst>
-          </a:custGeom>
-        </p:spPr>
-      </p:sp>
-    </p:spTree>
-    <p:extLst>
-      <p:ext uri="{BB962C8B-B14F-4D97-AF65-F5344CB8AC3E}">
-        <p14:creationId xmlns:p14="http://schemas.microsoft.com/office/powerpoint/2010/main" val="1796746827"/>
-      </p:ext>
-    </p:extLst>
-  </p:cSld>
-  <p:clrMapOvr>
-    <a:masterClrMapping/>
-  </p:clrMapOvr>
-</p:notes>
-</file>
-
-<file path=ppt/notesSlides/notesSlide5.xml><?xml version="1.0" encoding="utf-8"?>
 <p:notes xmlns:a="http://schemas.openxmlformats.org/drawingml/2006/main" xmlns:r="http://schemas.openxmlformats.org/officeDocument/2006/relationships" xmlns:p="http://schemas.openxmlformats.org/presentationml/2006/main" showMasterSp="0" showMasterPhAnim="0">
   <p:cSld>
     <p:spTree>
@@ -3097,7 +2844,7 @@
 </p:notes>
 </file>
 
-<file path=ppt/notesSlides/notesSlide6.xml><?xml version="1.0" encoding="utf-8"?>
+<file path=ppt/notesSlides/notesSlide5.xml><?xml version="1.0" encoding="utf-8"?>
 <p:notes xmlns:a="http://schemas.openxmlformats.org/drawingml/2006/main" xmlns:r="http://schemas.openxmlformats.org/officeDocument/2006/relationships" xmlns:p="http://schemas.openxmlformats.org/presentationml/2006/main" showMasterSp="0" showMasterPhAnim="0">
   <p:cSld>
     <p:spTree>
@@ -3224,7 +2971,7 @@
 </p:notes>
 </file>
 
-<file path=ppt/notesSlides/notesSlide7.xml><?xml version="1.0" encoding="utf-8"?>
+<file path=ppt/notesSlides/notesSlide6.xml><?xml version="1.0" encoding="utf-8"?>
 <p:notes xmlns:a="http://schemas.openxmlformats.org/drawingml/2006/main" xmlns:r="http://schemas.openxmlformats.org/officeDocument/2006/relationships" xmlns:p="http://schemas.openxmlformats.org/presentationml/2006/main" showMasterSp="0" showMasterPhAnim="0">
   <p:cSld>
     <p:spTree>
@@ -3351,7 +3098,7 @@
 </p:notes>
 </file>
 
-<file path=ppt/notesSlides/notesSlide8.xml><?xml version="1.0" encoding="utf-8"?>
+<file path=ppt/notesSlides/notesSlide7.xml><?xml version="1.0" encoding="utf-8"?>
 <p:notes xmlns:a="http://schemas.openxmlformats.org/drawingml/2006/main" xmlns:r="http://schemas.openxmlformats.org/officeDocument/2006/relationships" xmlns:p="http://schemas.openxmlformats.org/presentationml/2006/main" showMasterSp="0" showMasterPhAnim="0">
   <p:cSld>
     <p:spTree>
@@ -3478,7 +3225,7 @@
 </p:notes>
 </file>
 
-<file path=ppt/notesSlides/notesSlide9.xml><?xml version="1.0" encoding="utf-8"?>
+<file path=ppt/notesSlides/notesSlide8.xml><?xml version="1.0" encoding="utf-8"?>
 <p:notes xmlns:a="http://schemas.openxmlformats.org/drawingml/2006/main" xmlns:r="http://schemas.openxmlformats.org/officeDocument/2006/relationships" xmlns:p="http://schemas.openxmlformats.org/presentationml/2006/main" showMasterSp="0" showMasterPhAnim="0">
   <p:cSld>
     <p:spTree>
@@ -3596,6 +3343,133 @@
     <p:extLst>
       <p:ext uri="{BB962C8B-B14F-4D97-AF65-F5344CB8AC3E}">
         <p14:creationId xmlns:p14="http://schemas.microsoft.com/office/powerpoint/2010/main" val="2016518952"/>
+      </p:ext>
+    </p:extLst>
+  </p:cSld>
+  <p:clrMapOvr>
+    <a:masterClrMapping/>
+  </p:clrMapOvr>
+</p:notes>
+</file>
+
+<file path=ppt/notesSlides/notesSlide9.xml><?xml version="1.0" encoding="utf-8"?>
+<p:notes xmlns:a="http://schemas.openxmlformats.org/drawingml/2006/main" xmlns:r="http://schemas.openxmlformats.org/officeDocument/2006/relationships" xmlns:p="http://schemas.openxmlformats.org/presentationml/2006/main" showMasterSp="0" showMasterPhAnim="0">
+  <p:cSld>
+    <p:spTree>
+      <p:nvGrpSpPr>
+        <p:cNvPr id="1" name="Shape 189">
+          <a:extLst>
+            <a:ext uri="{FF2B5EF4-FFF2-40B4-BE49-F238E27FC236}">
+              <a16:creationId xmlns:a16="http://schemas.microsoft.com/office/drawing/2014/main" id="{07A36D95-A502-1AB5-7785-A94881CFC587}"/>
+            </a:ext>
+          </a:extLst>
+        </p:cNvPr>
+        <p:cNvGrpSpPr/>
+        <p:nvPr/>
+      </p:nvGrpSpPr>
+      <p:grpSpPr>
+        <a:xfrm>
+          <a:off x="0" y="0"/>
+          <a:ext cx="0" cy="0"/>
+          <a:chOff x="0" y="0"/>
+          <a:chExt cx="0" cy="0"/>
+        </a:xfrm>
+      </p:grpSpPr>
+      <p:sp>
+        <p:nvSpPr>
+          <p:cNvPr id="190" name="Google Shape;190;p2:notes">
+            <a:extLst>
+              <a:ext uri="{FF2B5EF4-FFF2-40B4-BE49-F238E27FC236}">
+                <a16:creationId xmlns:a16="http://schemas.microsoft.com/office/drawing/2014/main" id="{03013317-D0B2-D3EB-290C-00ECE731D1C3}"/>
+              </a:ext>
+            </a:extLst>
+          </p:cNvPr>
+          <p:cNvSpPr txBox="1">
+            <a:spLocks noGrp="1"/>
+          </p:cNvSpPr>
+          <p:nvPr>
+            <p:ph type="body" idx="1"/>
+          </p:nvPr>
+        </p:nvSpPr>
+        <p:spPr>
+          <a:xfrm>
+            <a:off x="685800" y="4400550"/>
+            <a:ext cx="5486400" cy="3600450"/>
+          </a:xfrm>
+          <a:prstGeom prst="rect">
+            <a:avLst/>
+          </a:prstGeom>
+        </p:spPr>
+        <p:txBody>
+          <a:bodyPr spcFirstLastPara="1" wrap="square" lIns="91425" tIns="45700" rIns="91425" bIns="45700" anchor="t" anchorCtr="0">
+            <a:noAutofit/>
+          </a:bodyPr>
+          <a:lstStyle/>
+          <a:p>
+            <a:pPr marL="0" lvl="0" indent="0" algn="l" rtl="0">
+              <a:spcBef>
+                <a:spcPts val="0"/>
+              </a:spcBef>
+              <a:spcAft>
+                <a:spcPts val="0"/>
+              </a:spcAft>
+              <a:buNone/>
+            </a:pPr>
+            <a:endParaRPr/>
+          </a:p>
+        </p:txBody>
+      </p:sp>
+      <p:sp>
+        <p:nvSpPr>
+          <p:cNvPr id="191" name="Google Shape;191;p2:notes">
+            <a:extLst>
+              <a:ext uri="{FF2B5EF4-FFF2-40B4-BE49-F238E27FC236}">
+                <a16:creationId xmlns:a16="http://schemas.microsoft.com/office/drawing/2014/main" id="{B30BEBAC-4D0A-4A85-E035-6DB9CFA9632D}"/>
+              </a:ext>
+            </a:extLst>
+          </p:cNvPr>
+          <p:cNvSpPr>
+            <a:spLocks noGrp="1" noRot="1" noChangeAspect="1"/>
+          </p:cNvSpPr>
+          <p:nvPr>
+            <p:ph type="sldImg" idx="2"/>
+          </p:nvPr>
+        </p:nvSpPr>
+        <p:spPr>
+          <a:xfrm>
+            <a:off x="685800" y="1143000"/>
+            <a:ext cx="5486400" cy="3086100"/>
+          </a:xfrm>
+          <a:custGeom>
+            <a:avLst/>
+            <a:gdLst/>
+            <a:ahLst/>
+            <a:cxnLst/>
+            <a:rect l="l" t="t" r="r" b="b"/>
+            <a:pathLst>
+              <a:path w="120000" h="120000" extrusionOk="0">
+                <a:moveTo>
+                  <a:pt x="0" y="0"/>
+                </a:moveTo>
+                <a:lnTo>
+                  <a:pt x="120000" y="0"/>
+                </a:lnTo>
+                <a:lnTo>
+                  <a:pt x="120000" y="120000"/>
+                </a:lnTo>
+                <a:lnTo>
+                  <a:pt x="0" y="120000"/>
+                </a:lnTo>
+                <a:close/>
+              </a:path>
+            </a:pathLst>
+          </a:custGeom>
+        </p:spPr>
+      </p:sp>
+    </p:spTree>
+    <p:extLst>
+      <p:ext uri="{BB962C8B-B14F-4D97-AF65-F5344CB8AC3E}">
+        <p14:creationId xmlns:p14="http://schemas.microsoft.com/office/powerpoint/2010/main" val="1738531925"/>
       </p:ext>
     </p:extLst>
   </p:cSld>
@@ -23256,472 +23130,6 @@
         <p:cNvPr id="1" name="Shape 192">
           <a:extLst>
             <a:ext uri="{FF2B5EF4-FFF2-40B4-BE49-F238E27FC236}">
-              <a16:creationId xmlns:a16="http://schemas.microsoft.com/office/drawing/2014/main" id="{6F6BCAAB-4869-AF58-DB36-A25126AB3462}"/>
-            </a:ext>
-          </a:extLst>
-        </p:cNvPr>
-        <p:cNvGrpSpPr/>
-        <p:nvPr/>
-      </p:nvGrpSpPr>
-      <p:grpSpPr>
-        <a:xfrm>
-          <a:off x="0" y="0"/>
-          <a:ext cx="0" cy="0"/>
-          <a:chOff x="0" y="0"/>
-          <a:chExt cx="0" cy="0"/>
-        </a:xfrm>
-      </p:grpSpPr>
-      <p:pic>
-        <p:nvPicPr>
-          <p:cNvPr id="3" name="Picture 2">
-            <a:extLst>
-              <a:ext uri="{FF2B5EF4-FFF2-40B4-BE49-F238E27FC236}">
-                <a16:creationId xmlns:a16="http://schemas.microsoft.com/office/drawing/2014/main" id="{4F93653D-E64E-969E-7FBA-CFF7AA3E5435}"/>
-              </a:ext>
-            </a:extLst>
-          </p:cNvPr>
-          <p:cNvPicPr>
-            <a:picLocks noChangeAspect="1"/>
-          </p:cNvPicPr>
-          <p:nvPr/>
-        </p:nvPicPr>
-        <p:blipFill>
-          <a:blip r:embed="rId3"/>
-          <a:stretch>
-            <a:fillRect/>
-          </a:stretch>
-        </p:blipFill>
-        <p:spPr>
-          <a:xfrm>
-            <a:off x="0" y="983269"/>
-            <a:ext cx="9222658" cy="3303596"/>
-          </a:xfrm>
-          <a:prstGeom prst="rect">
-            <a:avLst/>
-          </a:prstGeom>
-        </p:spPr>
-      </p:pic>
-      <p:pic>
-        <p:nvPicPr>
-          <p:cNvPr id="6" name="Picture 5">
-            <a:extLst>
-              <a:ext uri="{FF2B5EF4-FFF2-40B4-BE49-F238E27FC236}">
-                <a16:creationId xmlns:a16="http://schemas.microsoft.com/office/drawing/2014/main" id="{ACEBBA1D-BA39-4300-5129-30F811E3B7C6}"/>
-              </a:ext>
-            </a:extLst>
-          </p:cNvPr>
-          <p:cNvPicPr>
-            <a:picLocks noChangeAspect="1"/>
-          </p:cNvPicPr>
-          <p:nvPr/>
-        </p:nvPicPr>
-        <p:blipFill>
-          <a:blip r:embed="rId4"/>
-          <a:srcRect t="6756"/>
-          <a:stretch/>
-        </p:blipFill>
-        <p:spPr>
-          <a:xfrm>
-            <a:off x="0" y="4109881"/>
-            <a:ext cx="9222658" cy="2654668"/>
-          </a:xfrm>
-          <a:prstGeom prst="rect">
-            <a:avLst/>
-          </a:prstGeom>
-        </p:spPr>
-      </p:pic>
-      <p:sp>
-        <p:nvSpPr>
-          <p:cNvPr id="193" name="Google Shape;193;p28">
-            <a:extLst>
-              <a:ext uri="{FF2B5EF4-FFF2-40B4-BE49-F238E27FC236}">
-                <a16:creationId xmlns:a16="http://schemas.microsoft.com/office/drawing/2014/main" id="{7187E498-0EBA-BA68-1787-DE20A1C2C6F1}"/>
-              </a:ext>
-            </a:extLst>
-          </p:cNvPr>
-          <p:cNvSpPr txBox="1">
-            <a:spLocks noGrp="1"/>
-          </p:cNvSpPr>
-          <p:nvPr>
-            <p:ph type="title"/>
-          </p:nvPr>
-        </p:nvSpPr>
-        <p:spPr>
-          <a:xfrm>
-            <a:off x="2534475" y="219200"/>
-            <a:ext cx="8945400" cy="660600"/>
-          </a:xfrm>
-          <a:prstGeom prst="rect">
-            <a:avLst/>
-          </a:prstGeom>
-          <a:noFill/>
-          <a:ln>
-            <a:noFill/>
-          </a:ln>
-        </p:spPr>
-        <p:txBody>
-          <a:bodyPr spcFirstLastPara="1" wrap="square" lIns="91425" tIns="45700" rIns="91425" bIns="45700" anchor="ctr" anchorCtr="0">
-            <a:normAutofit/>
-          </a:bodyPr>
-          <a:lstStyle/>
-          <a:p>
-            <a:pPr marL="0" lvl="0" indent="0" algn="ctr" rtl="0">
-              <a:lnSpc>
-                <a:spcPct val="90000"/>
-              </a:lnSpc>
-              <a:spcBef>
-                <a:spcPts val="0"/>
-              </a:spcBef>
-              <a:spcAft>
-                <a:spcPts val="0"/>
-              </a:spcAft>
-              <a:buClr>
-                <a:schemeClr val="dk1"/>
-              </a:buClr>
-              <a:buSzPts val="4400"/>
-              <a:buFont typeface="Calibri"/>
-              <a:buNone/>
-            </a:pPr>
-            <a:r>
-              <a:rPr lang="en-US" sz="4000" dirty="0"/>
-              <a:t>Travel Reimbursement</a:t>
-            </a:r>
-          </a:p>
-        </p:txBody>
-      </p:sp>
-      <p:sp>
-        <p:nvSpPr>
-          <p:cNvPr id="12" name="Rectangle 11">
-            <a:extLst>
-              <a:ext uri="{FF2B5EF4-FFF2-40B4-BE49-F238E27FC236}">
-                <a16:creationId xmlns:a16="http://schemas.microsoft.com/office/drawing/2014/main" id="{573C3914-9136-714C-4595-A440C7EF6944}"/>
-              </a:ext>
-            </a:extLst>
-          </p:cNvPr>
-          <p:cNvSpPr/>
-          <p:nvPr/>
-        </p:nvSpPr>
-        <p:spPr>
-          <a:xfrm>
-            <a:off x="2820817" y="1336622"/>
-            <a:ext cx="3738342" cy="2773258"/>
-          </a:xfrm>
-          <a:prstGeom prst="rect">
-            <a:avLst/>
-          </a:prstGeom>
-          <a:noFill/>
-          <a:ln>
-            <a:solidFill>
-              <a:srgbClr val="FF0000"/>
-            </a:solidFill>
-          </a:ln>
-        </p:spPr>
-        <p:style>
-          <a:lnRef idx="2">
-            <a:schemeClr val="accent1">
-              <a:shade val="15000"/>
-            </a:schemeClr>
-          </a:lnRef>
-          <a:fillRef idx="1">
-            <a:schemeClr val="accent1"/>
-          </a:fillRef>
-          <a:effectRef idx="0">
-            <a:schemeClr val="accent1"/>
-          </a:effectRef>
-          <a:fontRef idx="minor">
-            <a:schemeClr val="lt1"/>
-          </a:fontRef>
-        </p:style>
-        <p:txBody>
-          <a:bodyPr rtlCol="0" anchor="ctr"/>
-          <a:lstStyle/>
-          <a:p>
-            <a:pPr algn="ctr"/>
-            <a:endParaRPr lang="en-IN"/>
-          </a:p>
-        </p:txBody>
-      </p:sp>
-      <p:cxnSp>
-        <p:nvCxnSpPr>
-          <p:cNvPr id="16" name="Straight Arrow Connector 15">
-            <a:extLst>
-              <a:ext uri="{FF2B5EF4-FFF2-40B4-BE49-F238E27FC236}">
-                <a16:creationId xmlns:a16="http://schemas.microsoft.com/office/drawing/2014/main" id="{E9003407-FBA4-CDB1-2A6B-12E9EA8D3E57}"/>
-              </a:ext>
-            </a:extLst>
-          </p:cNvPr>
-          <p:cNvCxnSpPr>
-            <a:cxnSpLocks/>
-          </p:cNvCxnSpPr>
-          <p:nvPr/>
-        </p:nvCxnSpPr>
-        <p:spPr>
-          <a:xfrm flipH="1">
-            <a:off x="6588655" y="1858298"/>
-            <a:ext cx="2753033" cy="0"/>
-          </a:xfrm>
-          <a:prstGeom prst="straightConnector1">
-            <a:avLst/>
-          </a:prstGeom>
-          <a:ln>
-            <a:solidFill>
-              <a:srgbClr val="FF0000"/>
-            </a:solidFill>
-            <a:tailEnd type="triangle"/>
-          </a:ln>
-        </p:spPr>
-        <p:style>
-          <a:lnRef idx="2">
-            <a:schemeClr val="dk1"/>
-          </a:lnRef>
-          <a:fillRef idx="0">
-            <a:schemeClr val="dk1"/>
-          </a:fillRef>
-          <a:effectRef idx="1">
-            <a:schemeClr val="dk1"/>
-          </a:effectRef>
-          <a:fontRef idx="minor">
-            <a:schemeClr val="tx1"/>
-          </a:fontRef>
-        </p:style>
-      </p:cxnSp>
-      <p:sp>
-        <p:nvSpPr>
-          <p:cNvPr id="18" name="TextBox 17">
-            <a:extLst>
-              <a:ext uri="{FF2B5EF4-FFF2-40B4-BE49-F238E27FC236}">
-                <a16:creationId xmlns:a16="http://schemas.microsoft.com/office/drawing/2014/main" id="{3FE57A7E-6E05-D7F2-595E-09D6E4AE9BAC}"/>
-              </a:ext>
-            </a:extLst>
-          </p:cNvPr>
-          <p:cNvSpPr txBox="1"/>
-          <p:nvPr/>
-        </p:nvSpPr>
-        <p:spPr>
-          <a:xfrm>
-            <a:off x="9341688" y="1077024"/>
-            <a:ext cx="2166323" cy="1169551"/>
-          </a:xfrm>
-          <a:prstGeom prst="rect">
-            <a:avLst/>
-          </a:prstGeom>
-          <a:noFill/>
-          <a:ln>
-            <a:solidFill>
-              <a:srgbClr val="FF0000"/>
-            </a:solidFill>
-          </a:ln>
-        </p:spPr>
-        <p:txBody>
-          <a:bodyPr wrap="square" rtlCol="0">
-            <a:spAutoFit/>
-          </a:bodyPr>
-          <a:lstStyle>
-            <a:defPPr marR="0" lvl="0" algn="l" rtl="0">
-              <a:lnSpc>
-                <a:spcPct val="100000"/>
-              </a:lnSpc>
-              <a:spcBef>
-                <a:spcPts val="0"/>
-              </a:spcBef>
-              <a:spcAft>
-                <a:spcPts val="0"/>
-              </a:spcAft>
-            </a:defPPr>
-            <a:lvl1pPr>
-              <a:defRPr>
-                <a:solidFill>
-                  <a:schemeClr val="tx1"/>
-                </a:solidFill>
-              </a:defRPr>
-            </a:lvl1pPr>
-          </a:lstStyle>
-          <a:p>
-            <a:r>
-              <a:rPr lang="en-US" dirty="0"/>
-              <a:t>Now, if you select Travel, this section will open where you need to fill in all the details marked with a red asterisk (*).</a:t>
-            </a:r>
-            <a:endParaRPr lang="en-IN" dirty="0"/>
-          </a:p>
-        </p:txBody>
-      </p:sp>
-      <p:sp>
-        <p:nvSpPr>
-          <p:cNvPr id="15" name="Rectangle 14">
-            <a:extLst>
-              <a:ext uri="{FF2B5EF4-FFF2-40B4-BE49-F238E27FC236}">
-                <a16:creationId xmlns:a16="http://schemas.microsoft.com/office/drawing/2014/main" id="{56CD4B67-7D03-88C7-5025-878965F7E6C8}"/>
-              </a:ext>
-            </a:extLst>
-          </p:cNvPr>
-          <p:cNvSpPr/>
-          <p:nvPr/>
-        </p:nvSpPr>
-        <p:spPr>
-          <a:xfrm>
-            <a:off x="2742158" y="4286865"/>
-            <a:ext cx="3738342" cy="1986114"/>
-          </a:xfrm>
-          <a:prstGeom prst="rect">
-            <a:avLst/>
-          </a:prstGeom>
-          <a:noFill/>
-          <a:ln>
-            <a:solidFill>
-              <a:srgbClr val="FF0000"/>
-            </a:solidFill>
-          </a:ln>
-        </p:spPr>
-        <p:style>
-          <a:lnRef idx="2">
-            <a:schemeClr val="accent1">
-              <a:shade val="15000"/>
-            </a:schemeClr>
-          </a:lnRef>
-          <a:fillRef idx="1">
-            <a:schemeClr val="accent1"/>
-          </a:fillRef>
-          <a:effectRef idx="0">
-            <a:schemeClr val="accent1"/>
-          </a:effectRef>
-          <a:fontRef idx="minor">
-            <a:schemeClr val="lt1"/>
-          </a:fontRef>
-        </p:style>
-        <p:txBody>
-          <a:bodyPr rtlCol="0" anchor="ctr"/>
-          <a:lstStyle/>
-          <a:p>
-            <a:pPr algn="ctr"/>
-            <a:endParaRPr lang="en-IN"/>
-          </a:p>
-        </p:txBody>
-      </p:sp>
-      <p:sp>
-        <p:nvSpPr>
-          <p:cNvPr id="20" name="TextBox 19">
-            <a:extLst>
-              <a:ext uri="{FF2B5EF4-FFF2-40B4-BE49-F238E27FC236}">
-                <a16:creationId xmlns:a16="http://schemas.microsoft.com/office/drawing/2014/main" id="{82F36620-5657-C833-F450-6413809D3111}"/>
-              </a:ext>
-            </a:extLst>
-          </p:cNvPr>
-          <p:cNvSpPr txBox="1"/>
-          <p:nvPr/>
-        </p:nvSpPr>
-        <p:spPr>
-          <a:xfrm>
-            <a:off x="9471246" y="3740548"/>
-            <a:ext cx="2166323" cy="738664"/>
-          </a:xfrm>
-          <a:prstGeom prst="rect">
-            <a:avLst/>
-          </a:prstGeom>
-          <a:noFill/>
-          <a:ln>
-            <a:solidFill>
-              <a:srgbClr val="FF0000"/>
-            </a:solidFill>
-          </a:ln>
-        </p:spPr>
-        <p:txBody>
-          <a:bodyPr wrap="square" rtlCol="0">
-            <a:spAutoFit/>
-          </a:bodyPr>
-          <a:lstStyle>
-            <a:defPPr marR="0" lvl="0" algn="l" rtl="0">
-              <a:lnSpc>
-                <a:spcPct val="100000"/>
-              </a:lnSpc>
-              <a:spcBef>
-                <a:spcPts val="0"/>
-              </a:spcBef>
-              <a:spcAft>
-                <a:spcPts val="0"/>
-              </a:spcAft>
-            </a:defPPr>
-            <a:lvl1pPr>
-              <a:defRPr>
-                <a:solidFill>
-                  <a:schemeClr val="tx1"/>
-                </a:solidFill>
-              </a:defRPr>
-            </a:lvl1pPr>
-          </a:lstStyle>
-          <a:p>
-            <a:r>
-              <a:rPr lang="en-US" dirty="0"/>
-              <a:t>The section below is for attaching bills related to that expense.</a:t>
-            </a:r>
-            <a:endParaRPr lang="en-IN" dirty="0"/>
-          </a:p>
-        </p:txBody>
-      </p:sp>
-      <p:cxnSp>
-        <p:nvCxnSpPr>
-          <p:cNvPr id="17" name="Connector: Elbow 16">
-            <a:extLst>
-              <a:ext uri="{FF2B5EF4-FFF2-40B4-BE49-F238E27FC236}">
-                <a16:creationId xmlns:a16="http://schemas.microsoft.com/office/drawing/2014/main" id="{1B1FB578-4A9F-29BC-CF31-2A9782F4B180}"/>
-              </a:ext>
-            </a:extLst>
-          </p:cNvPr>
-          <p:cNvCxnSpPr>
-            <a:cxnSpLocks/>
-          </p:cNvCxnSpPr>
-          <p:nvPr/>
-        </p:nvCxnSpPr>
-        <p:spPr>
-          <a:xfrm rot="10800000" flipV="1">
-            <a:off x="6588655" y="4075191"/>
-            <a:ext cx="2875928" cy="988592"/>
-          </a:xfrm>
-          <a:prstGeom prst="bentConnector3">
-            <a:avLst/>
-          </a:prstGeom>
-          <a:ln>
-            <a:solidFill>
-              <a:srgbClr val="FF0000"/>
-            </a:solidFill>
-            <a:tailEnd type="triangle"/>
-          </a:ln>
-        </p:spPr>
-        <p:style>
-          <a:lnRef idx="2">
-            <a:schemeClr val="dk1"/>
-          </a:lnRef>
-          <a:fillRef idx="0">
-            <a:schemeClr val="dk1"/>
-          </a:fillRef>
-          <a:effectRef idx="1">
-            <a:schemeClr val="dk1"/>
-          </a:effectRef>
-          <a:fontRef idx="minor">
-            <a:schemeClr val="tx1"/>
-          </a:fontRef>
-        </p:style>
-      </p:cxnSp>
-    </p:spTree>
-    <p:extLst>
-      <p:ext uri="{BB962C8B-B14F-4D97-AF65-F5344CB8AC3E}">
-        <p14:creationId xmlns:p14="http://schemas.microsoft.com/office/powerpoint/2010/main" val="2429583570"/>
-      </p:ext>
-    </p:extLst>
-  </p:cSld>
-  <p:clrMapOvr>
-    <a:masterClrMapping/>
-  </p:clrMapOvr>
-</p:sld>
-</file>
-
-<file path=ppt/slides/slide11.xml><?xml version="1.0" encoding="utf-8"?>
-<p:sld xmlns:a="http://schemas.openxmlformats.org/drawingml/2006/main" xmlns:r="http://schemas.openxmlformats.org/officeDocument/2006/relationships" xmlns:p="http://schemas.openxmlformats.org/presentationml/2006/main">
-  <p:cSld>
-    <p:spTree>
-      <p:nvGrpSpPr>
-        <p:cNvPr id="1" name="Shape 192">
-          <a:extLst>
-            <a:ext uri="{FF2B5EF4-FFF2-40B4-BE49-F238E27FC236}">
               <a16:creationId xmlns:a16="http://schemas.microsoft.com/office/drawing/2014/main" id="{D0EC1AA3-0A9F-C89E-0BE5-1ECF8459C1BF}"/>
             </a:ext>
           </a:extLst>
@@ -24151,7 +23559,7 @@
 </p:sld>
 </file>
 
-<file path=ppt/slides/slide12.xml><?xml version="1.0" encoding="utf-8"?>
+<file path=ppt/slides/slide11.xml><?xml version="1.0" encoding="utf-8"?>
 <p:sld xmlns:a="http://schemas.openxmlformats.org/drawingml/2006/main" xmlns:r="http://schemas.openxmlformats.org/officeDocument/2006/relationships" xmlns:p="http://schemas.openxmlformats.org/presentationml/2006/main">
   <p:cSld>
     <p:spTree>
@@ -24617,7 +24025,7 @@
 </p:sld>
 </file>
 
-<file path=ppt/slides/slide13.xml><?xml version="1.0" encoding="utf-8"?>
+<file path=ppt/slides/slide12.xml><?xml version="1.0" encoding="utf-8"?>
 <p:sld xmlns:a="http://schemas.openxmlformats.org/drawingml/2006/main" xmlns:r="http://schemas.openxmlformats.org/officeDocument/2006/relationships" xmlns:p="http://schemas.openxmlformats.org/presentationml/2006/main">
   <p:cSld>
     <p:spTree>
@@ -25294,7 +24702,7 @@
 </p:sld>
 </file>
 
-<file path=ppt/slides/slide14.xml><?xml version="1.0" encoding="utf-8"?>
+<file path=ppt/slides/slide13.xml><?xml version="1.0" encoding="utf-8"?>
 <p:sld xmlns:a="http://schemas.openxmlformats.org/drawingml/2006/main" xmlns:r="http://schemas.openxmlformats.org/officeDocument/2006/relationships" xmlns:p="http://schemas.openxmlformats.org/presentationml/2006/main">
   <p:cSld>
     <p:spTree>
@@ -25702,7 +25110,7 @@
 </p:sld>
 </file>
 
-<file path=ppt/slides/slide15.xml><?xml version="1.0" encoding="utf-8"?>
+<file path=ppt/slides/slide14.xml><?xml version="1.0" encoding="utf-8"?>
 <p:sld xmlns:a="http://schemas.openxmlformats.org/drawingml/2006/main" xmlns:r="http://schemas.openxmlformats.org/officeDocument/2006/relationships" xmlns:p="http://schemas.openxmlformats.org/presentationml/2006/main">
   <p:cSld>
     <p:spTree>
@@ -25955,7 +25363,7 @@
 </p:sld>
 </file>
 
-<file path=ppt/slides/slide16.xml><?xml version="1.0" encoding="utf-8"?>
+<file path=ppt/slides/slide15.xml><?xml version="1.0" encoding="utf-8"?>
 <p:sld xmlns:a="http://schemas.openxmlformats.org/drawingml/2006/main" xmlns:r="http://schemas.openxmlformats.org/officeDocument/2006/relationships" xmlns:p="http://schemas.openxmlformats.org/presentationml/2006/main">
   <p:cSld>
     <p:spTree>
@@ -26080,7 +25488,7 @@
 </p:sld>
 </file>
 
-<file path=ppt/slides/slide17.xml><?xml version="1.0" encoding="utf-8"?>
+<file path=ppt/slides/slide16.xml><?xml version="1.0" encoding="utf-8"?>
 <p:sld xmlns:a="http://schemas.openxmlformats.org/drawingml/2006/main" xmlns:r="http://schemas.openxmlformats.org/officeDocument/2006/relationships" xmlns:p="http://schemas.openxmlformats.org/presentationml/2006/main">
   <p:cSld>
     <p:spTree>
@@ -26097,6 +25505,36 @@
           <a:chExt cx="0" cy="0"/>
         </a:xfrm>
       </p:grpSpPr>
+      <p:pic>
+        <p:nvPicPr>
+          <p:cNvPr id="4" name="Picture 3">
+            <a:extLst>
+              <a:ext uri="{FF2B5EF4-FFF2-40B4-BE49-F238E27FC236}">
+                <a16:creationId xmlns:a16="http://schemas.microsoft.com/office/drawing/2014/main" id="{488CDC30-3CF7-4573-8F0D-473C8747F0FA}"/>
+              </a:ext>
+            </a:extLst>
+          </p:cNvPr>
+          <p:cNvPicPr>
+            <a:picLocks noChangeAspect="1"/>
+          </p:cNvPicPr>
+          <p:nvPr/>
+        </p:nvPicPr>
+        <p:blipFill>
+          <a:blip r:embed="rId2"/>
+          <a:stretch>
+            <a:fillRect/>
+          </a:stretch>
+        </p:blipFill>
+        <p:spPr>
+          <a:xfrm>
+            <a:off x="0" y="942537"/>
+            <a:ext cx="8899234" cy="5915463"/>
+          </a:xfrm>
+          <a:prstGeom prst="rect">
+            <a:avLst/>
+          </a:prstGeom>
+        </p:spPr>
+      </p:pic>
       <p:sp>
         <p:nvSpPr>
           <p:cNvPr id="2" name="Title 1">
@@ -26121,42 +25559,12 @@
             <a:pPr algn="ctr"/>
             <a:r>
               <a:rPr lang="en-US" dirty="0"/>
-              <a:t>Report Edit and Delete</a:t>
+              <a:t>Report Edit</a:t>
             </a:r>
             <a:endParaRPr lang="en-IN" dirty="0"/>
           </a:p>
         </p:txBody>
       </p:sp>
-      <p:pic>
-        <p:nvPicPr>
-          <p:cNvPr id="5" name="Picture 4">
-            <a:extLst>
-              <a:ext uri="{FF2B5EF4-FFF2-40B4-BE49-F238E27FC236}">
-                <a16:creationId xmlns:a16="http://schemas.microsoft.com/office/drawing/2014/main" id="{3324EB1C-CE99-F091-7FED-47093D7E48BA}"/>
-              </a:ext>
-            </a:extLst>
-          </p:cNvPr>
-          <p:cNvPicPr>
-            <a:picLocks noChangeAspect="1"/>
-          </p:cNvPicPr>
-          <p:nvPr/>
-        </p:nvPicPr>
-        <p:blipFill>
-          <a:blip r:embed="rId2"/>
-          <a:stretch>
-            <a:fillRect/>
-          </a:stretch>
-        </p:blipFill>
-        <p:spPr>
-          <a:xfrm>
-            <a:off x="68826" y="1017840"/>
-            <a:ext cx="8613058" cy="5620960"/>
-          </a:xfrm>
-          <a:prstGeom prst="rect">
-            <a:avLst/>
-          </a:prstGeom>
-        </p:spPr>
-      </p:pic>
       <p:sp>
         <p:nvSpPr>
           <p:cNvPr id="8" name="TextBox 7">
@@ -26171,8 +25579,8 @@
         </p:nvSpPr>
         <p:spPr>
           <a:xfrm>
-            <a:off x="8899234" y="3491317"/>
-            <a:ext cx="2166323" cy="1384995"/>
+            <a:off x="9145041" y="3491317"/>
+            <a:ext cx="2166323" cy="1169551"/>
           </a:xfrm>
           <a:prstGeom prst="rect">
             <a:avLst/>
@@ -26211,7 +25619,39 @@
           <a:p>
             <a:r>
               <a:rPr lang="en-US" dirty="0"/>
-              <a:t>When a report is in the initial stage i.e., it has not been submitted, or has reverted back then you can edit or delete the entire report.</a:t>
+              <a:t>When a report is in the </a:t>
+            </a:r>
+            <a:r>
+              <a:rPr lang="en-IN" b="1" dirty="0"/>
+              <a:t>Initialized</a:t>
+            </a:r>
+            <a:r>
+              <a:rPr lang="en-US" dirty="0"/>
+              <a:t>, </a:t>
+            </a:r>
+            <a:r>
+              <a:rPr lang="en-US" b="1" dirty="0"/>
+              <a:t>Manager Rejected , FA Rejected</a:t>
+            </a:r>
+            <a:r>
+              <a:rPr lang="en-US" dirty="0"/>
+              <a:t> stage</a:t>
+            </a:r>
+            <a:r>
+              <a:rPr lang="en-US" b="1" dirty="0"/>
+              <a:t> </a:t>
+            </a:r>
+            <a:r>
+              <a:rPr lang="en-US" dirty="0"/>
+              <a:t>then you can </a:t>
+            </a:r>
+            <a:r>
+              <a:rPr lang="en-US" b="1" dirty="0"/>
+              <a:t>Edit</a:t>
+            </a:r>
+            <a:r>
+              <a:rPr lang="en-US" dirty="0"/>
+              <a:t> the report.</a:t>
             </a:r>
             <a:endParaRPr lang="en-IN" dirty="0"/>
           </a:p>
@@ -26231,7 +25671,7 @@
         </p:nvSpPr>
         <p:spPr>
           <a:xfrm>
-            <a:off x="7482347" y="2372020"/>
+            <a:off x="7678992" y="2588330"/>
             <a:ext cx="1307690" cy="443161"/>
           </a:xfrm>
           <a:prstGeom prst="rect">
@@ -26286,8 +25726,8 @@
         </p:nvCxnSpPr>
         <p:spPr>
           <a:xfrm rot="16200000" flipV="1">
-            <a:off x="8650894" y="2732744"/>
-            <a:ext cx="809228" cy="530942"/>
+            <a:off x="8804959" y="2991635"/>
+            <a:ext cx="619089" cy="255641"/>
           </a:xfrm>
           <a:prstGeom prst="bentConnector2">
             <a:avLst/>
@@ -26327,7 +25767,595 @@
 </p:sld>
 </file>
 
+<file path=ppt/slides/slide17.xml><?xml version="1.0" encoding="utf-8"?>
+<p:sld xmlns:a="http://schemas.openxmlformats.org/drawingml/2006/main" xmlns:r="http://schemas.openxmlformats.org/officeDocument/2006/relationships" xmlns:p="http://schemas.openxmlformats.org/presentationml/2006/main">
+  <p:cSld>
+    <p:spTree>
+      <p:nvGrpSpPr>
+        <p:cNvPr id="1" name="">
+          <a:extLst>
+            <a:ext uri="{FF2B5EF4-FFF2-40B4-BE49-F238E27FC236}">
+              <a16:creationId xmlns:a16="http://schemas.microsoft.com/office/drawing/2014/main" id="{DCA583BE-4A99-D64C-AE48-ED827768FCB0}"/>
+            </a:ext>
+          </a:extLst>
+        </p:cNvPr>
+        <p:cNvGrpSpPr/>
+        <p:nvPr/>
+      </p:nvGrpSpPr>
+      <p:grpSpPr>
+        <a:xfrm>
+          <a:off x="0" y="0"/>
+          <a:ext cx="0" cy="0"/>
+          <a:chOff x="0" y="0"/>
+          <a:chExt cx="0" cy="0"/>
+        </a:xfrm>
+      </p:grpSpPr>
+      <p:pic>
+        <p:nvPicPr>
+          <p:cNvPr id="5" name="Picture 4">
+            <a:extLst>
+              <a:ext uri="{FF2B5EF4-FFF2-40B4-BE49-F238E27FC236}">
+                <a16:creationId xmlns:a16="http://schemas.microsoft.com/office/drawing/2014/main" id="{D0DEBB7B-1362-D173-6E34-1E0B2CC4F7AA}"/>
+              </a:ext>
+            </a:extLst>
+          </p:cNvPr>
+          <p:cNvPicPr>
+            <a:picLocks noChangeAspect="1"/>
+          </p:cNvPicPr>
+          <p:nvPr/>
+        </p:nvPicPr>
+        <p:blipFill>
+          <a:blip r:embed="rId2"/>
+          <a:stretch>
+            <a:fillRect/>
+          </a:stretch>
+        </p:blipFill>
+        <p:spPr>
+          <a:xfrm>
+            <a:off x="396749" y="969022"/>
+            <a:ext cx="8748292" cy="5957804"/>
+          </a:xfrm>
+          <a:prstGeom prst="rect">
+            <a:avLst/>
+          </a:prstGeom>
+        </p:spPr>
+      </p:pic>
+      <p:sp>
+        <p:nvSpPr>
+          <p:cNvPr id="2" name="Title 1">
+            <a:extLst>
+              <a:ext uri="{FF2B5EF4-FFF2-40B4-BE49-F238E27FC236}">
+                <a16:creationId xmlns:a16="http://schemas.microsoft.com/office/drawing/2014/main" id="{C27C9DC0-FD0B-B1D5-D7D3-ED10FF7CF85C}"/>
+              </a:ext>
+            </a:extLst>
+          </p:cNvPr>
+          <p:cNvSpPr>
+            <a:spLocks noGrp="1"/>
+          </p:cNvSpPr>
+          <p:nvPr>
+            <p:ph type="title"/>
+          </p:nvPr>
+        </p:nvSpPr>
+        <p:spPr/>
+        <p:txBody>
+          <a:bodyPr/>
+          <a:lstStyle/>
+          <a:p>
+            <a:pPr algn="ctr"/>
+            <a:r>
+              <a:rPr lang="en-US" dirty="0"/>
+              <a:t>Report Edit Details</a:t>
+            </a:r>
+            <a:endParaRPr lang="en-IN" dirty="0"/>
+          </a:p>
+        </p:txBody>
+      </p:sp>
+      <p:sp>
+        <p:nvSpPr>
+          <p:cNvPr id="8" name="TextBox 7">
+            <a:extLst>
+              <a:ext uri="{FF2B5EF4-FFF2-40B4-BE49-F238E27FC236}">
+                <a16:creationId xmlns:a16="http://schemas.microsoft.com/office/drawing/2014/main" id="{CD72A401-9BD7-4FA2-0560-D13B08C0140D}"/>
+              </a:ext>
+            </a:extLst>
+          </p:cNvPr>
+          <p:cNvSpPr txBox="1"/>
+          <p:nvPr/>
+        </p:nvSpPr>
+        <p:spPr>
+          <a:xfrm>
+            <a:off x="9145041" y="3491317"/>
+            <a:ext cx="2166323" cy="1815882"/>
+          </a:xfrm>
+          <a:prstGeom prst="rect">
+            <a:avLst/>
+          </a:prstGeom>
+          <a:noFill/>
+          <a:ln>
+            <a:solidFill>
+              <a:srgbClr val="FF0000"/>
+            </a:solidFill>
+          </a:ln>
+        </p:spPr>
+        <p:txBody>
+          <a:bodyPr wrap="square" rtlCol="0">
+            <a:spAutoFit/>
+          </a:bodyPr>
+          <a:lstStyle>
+            <a:defPPr marR="0" lvl="0" algn="l" rtl="0">
+              <a:lnSpc>
+                <a:spcPct val="100000"/>
+              </a:lnSpc>
+              <a:spcBef>
+                <a:spcPts val="0"/>
+              </a:spcBef>
+              <a:spcAft>
+                <a:spcPts val="0"/>
+              </a:spcAft>
+            </a:defPPr>
+            <a:lvl1pPr>
+              <a:defRPr>
+                <a:solidFill>
+                  <a:schemeClr val="tx1"/>
+                </a:solidFill>
+              </a:defRPr>
+            </a:lvl1pPr>
+          </a:lstStyle>
+          <a:p>
+            <a:pPr lvl="0">
+              <a:defRPr/>
+            </a:pPr>
+            <a:r>
+              <a:rPr lang="en-US" dirty="0"/>
+              <a:t>In the Report Edit section, you can update the Start Date and End Date (which must be either the current date or a future date), as well as modify the Description of the report.</a:t>
+            </a:r>
+            <a:endParaRPr kumimoji="0" lang="en-IN" sz="1400" b="0" i="0" u="none" strike="noStrike" kern="0" cap="none" spc="0" normalizeH="0" baseline="0" noProof="0" dirty="0">
+              <a:ln>
+                <a:noFill/>
+              </a:ln>
+              <a:solidFill>
+                <a:srgbClr val="000000"/>
+              </a:solidFill>
+              <a:effectLst/>
+              <a:uLnTx/>
+              <a:uFillTx/>
+              <a:latin typeface="Arial"/>
+              <a:cs typeface="Arial"/>
+              <a:sym typeface="Arial"/>
+            </a:endParaRPr>
+          </a:p>
+        </p:txBody>
+      </p:sp>
+      <p:sp>
+        <p:nvSpPr>
+          <p:cNvPr id="9" name="Rectangle 8">
+            <a:extLst>
+              <a:ext uri="{FF2B5EF4-FFF2-40B4-BE49-F238E27FC236}">
+                <a16:creationId xmlns:a16="http://schemas.microsoft.com/office/drawing/2014/main" id="{DE501BA5-5170-1A4C-262E-D93D9D6D891B}"/>
+              </a:ext>
+            </a:extLst>
+          </p:cNvPr>
+          <p:cNvSpPr/>
+          <p:nvPr/>
+        </p:nvSpPr>
+        <p:spPr>
+          <a:xfrm>
+            <a:off x="2241755" y="2126214"/>
+            <a:ext cx="3411793" cy="2072538"/>
+          </a:xfrm>
+          <a:prstGeom prst="rect">
+            <a:avLst/>
+          </a:prstGeom>
+          <a:noFill/>
+          <a:ln>
+            <a:solidFill>
+              <a:srgbClr val="FF0000"/>
+            </a:solidFill>
+          </a:ln>
+        </p:spPr>
+        <p:style>
+          <a:lnRef idx="2">
+            <a:schemeClr val="accent1">
+              <a:shade val="15000"/>
+            </a:schemeClr>
+          </a:lnRef>
+          <a:fillRef idx="1">
+            <a:schemeClr val="accent1"/>
+          </a:fillRef>
+          <a:effectRef idx="0">
+            <a:schemeClr val="accent1"/>
+          </a:effectRef>
+          <a:fontRef idx="minor">
+            <a:schemeClr val="lt1"/>
+          </a:fontRef>
+        </p:style>
+        <p:txBody>
+          <a:bodyPr rtlCol="0" anchor="ctr"/>
+          <a:lstStyle/>
+          <a:p>
+            <a:pPr marL="0" marR="0" lvl="0" indent="0" algn="ctr" defTabSz="914400" rtl="0" eaLnBrk="1" fontAlgn="auto" latinLnBrk="0" hangingPunct="1">
+              <a:lnSpc>
+                <a:spcPct val="100000"/>
+              </a:lnSpc>
+              <a:spcBef>
+                <a:spcPts val="0"/>
+              </a:spcBef>
+              <a:spcAft>
+                <a:spcPts val="0"/>
+              </a:spcAft>
+              <a:buClr>
+                <a:srgbClr val="000000"/>
+              </a:buClr>
+              <a:buSzTx/>
+              <a:buFont typeface="Arial"/>
+              <a:buNone/>
+              <a:tabLst/>
+              <a:defRPr/>
+            </a:pPr>
+            <a:endParaRPr kumimoji="0" lang="en-IN" sz="1400" b="0" i="0" u="none" strike="noStrike" kern="0" cap="none" spc="0" normalizeH="0" baseline="0" noProof="0">
+              <a:ln>
+                <a:noFill/>
+              </a:ln>
+              <a:solidFill>
+                <a:srgbClr val="FFFFFF"/>
+              </a:solidFill>
+              <a:effectLst/>
+              <a:uLnTx/>
+              <a:uFillTx/>
+              <a:latin typeface="Arial"/>
+              <a:ea typeface="+mn-ea"/>
+              <a:cs typeface="+mn-cs"/>
+              <a:sym typeface="Arial"/>
+            </a:endParaRPr>
+          </a:p>
+        </p:txBody>
+      </p:sp>
+      <p:cxnSp>
+        <p:nvCxnSpPr>
+          <p:cNvPr id="10" name="Connector: Elbow 9">
+            <a:extLst>
+              <a:ext uri="{FF2B5EF4-FFF2-40B4-BE49-F238E27FC236}">
+                <a16:creationId xmlns:a16="http://schemas.microsoft.com/office/drawing/2014/main" id="{2F74610F-19A0-7DEB-203B-37772BFEBFD0}"/>
+              </a:ext>
+            </a:extLst>
+          </p:cNvPr>
+          <p:cNvCxnSpPr>
+            <a:cxnSpLocks/>
+            <a:endCxn id="9" idx="3"/>
+          </p:cNvCxnSpPr>
+          <p:nvPr/>
+        </p:nvCxnSpPr>
+        <p:spPr>
+          <a:xfrm rot="10800000">
+            <a:off x="5653549" y="3162484"/>
+            <a:ext cx="3491493" cy="662265"/>
+          </a:xfrm>
+          <a:prstGeom prst="bentConnector3">
+            <a:avLst>
+              <a:gd name="adj1" fmla="val 50000"/>
+            </a:avLst>
+          </a:prstGeom>
+          <a:ln>
+            <a:solidFill>
+              <a:srgbClr val="FF0000"/>
+            </a:solidFill>
+            <a:tailEnd type="triangle"/>
+          </a:ln>
+        </p:spPr>
+        <p:style>
+          <a:lnRef idx="2">
+            <a:schemeClr val="dk1"/>
+          </a:lnRef>
+          <a:fillRef idx="0">
+            <a:schemeClr val="dk1"/>
+          </a:fillRef>
+          <a:effectRef idx="1">
+            <a:schemeClr val="dk1"/>
+          </a:effectRef>
+          <a:fontRef idx="minor">
+            <a:schemeClr val="tx1"/>
+          </a:fontRef>
+        </p:style>
+      </p:cxnSp>
+    </p:spTree>
+    <p:extLst>
+      <p:ext uri="{BB962C8B-B14F-4D97-AF65-F5344CB8AC3E}">
+        <p14:creationId xmlns:p14="http://schemas.microsoft.com/office/powerpoint/2010/main" val="1594796395"/>
+      </p:ext>
+    </p:extLst>
+  </p:cSld>
+  <p:clrMapOvr>
+    <a:masterClrMapping/>
+  </p:clrMapOvr>
+</p:sld>
+</file>
+
 <file path=ppt/slides/slide18.xml><?xml version="1.0" encoding="utf-8"?>
+<p:sld xmlns:a="http://schemas.openxmlformats.org/drawingml/2006/main" xmlns:r="http://schemas.openxmlformats.org/officeDocument/2006/relationships" xmlns:p="http://schemas.openxmlformats.org/presentationml/2006/main">
+  <p:cSld>
+    <p:spTree>
+      <p:nvGrpSpPr>
+        <p:cNvPr id="1" name="">
+          <a:extLst>
+            <a:ext uri="{FF2B5EF4-FFF2-40B4-BE49-F238E27FC236}">
+              <a16:creationId xmlns:a16="http://schemas.microsoft.com/office/drawing/2014/main" id="{68B787A7-0D93-2DB5-2E3D-10DF7681D4C8}"/>
+            </a:ext>
+          </a:extLst>
+        </p:cNvPr>
+        <p:cNvGrpSpPr/>
+        <p:nvPr/>
+      </p:nvGrpSpPr>
+      <p:grpSpPr>
+        <a:xfrm>
+          <a:off x="0" y="0"/>
+          <a:ext cx="0" cy="0"/>
+          <a:chOff x="0" y="0"/>
+          <a:chExt cx="0" cy="0"/>
+        </a:xfrm>
+      </p:grpSpPr>
+      <p:pic>
+        <p:nvPicPr>
+          <p:cNvPr id="4" name="Picture 3">
+            <a:extLst>
+              <a:ext uri="{FF2B5EF4-FFF2-40B4-BE49-F238E27FC236}">
+                <a16:creationId xmlns:a16="http://schemas.microsoft.com/office/drawing/2014/main" id="{50843C48-B8C6-31F4-1432-0519D067FC29}"/>
+              </a:ext>
+            </a:extLst>
+          </p:cNvPr>
+          <p:cNvPicPr>
+            <a:picLocks noChangeAspect="1"/>
+          </p:cNvPicPr>
+          <p:nvPr/>
+        </p:nvPicPr>
+        <p:blipFill>
+          <a:blip r:embed="rId2"/>
+          <a:stretch>
+            <a:fillRect/>
+          </a:stretch>
+        </p:blipFill>
+        <p:spPr>
+          <a:xfrm>
+            <a:off x="0" y="942537"/>
+            <a:ext cx="8899234" cy="5915463"/>
+          </a:xfrm>
+          <a:prstGeom prst="rect">
+            <a:avLst/>
+          </a:prstGeom>
+        </p:spPr>
+      </p:pic>
+      <p:sp>
+        <p:nvSpPr>
+          <p:cNvPr id="2" name="Title 1">
+            <a:extLst>
+              <a:ext uri="{FF2B5EF4-FFF2-40B4-BE49-F238E27FC236}">
+                <a16:creationId xmlns:a16="http://schemas.microsoft.com/office/drawing/2014/main" id="{C6292E0C-C6B3-3EC5-BD9B-A6E1FA15DC57}"/>
+              </a:ext>
+            </a:extLst>
+          </p:cNvPr>
+          <p:cNvSpPr>
+            <a:spLocks noGrp="1"/>
+          </p:cNvSpPr>
+          <p:nvPr>
+            <p:ph type="title"/>
+          </p:nvPr>
+        </p:nvSpPr>
+        <p:spPr/>
+        <p:txBody>
+          <a:bodyPr/>
+          <a:lstStyle/>
+          <a:p>
+            <a:pPr algn="ctr"/>
+            <a:r>
+              <a:rPr lang="en-US" dirty="0"/>
+              <a:t>Report Delete</a:t>
+            </a:r>
+            <a:endParaRPr lang="en-IN" dirty="0"/>
+          </a:p>
+        </p:txBody>
+      </p:sp>
+      <p:sp>
+        <p:nvSpPr>
+          <p:cNvPr id="8" name="TextBox 7">
+            <a:extLst>
+              <a:ext uri="{FF2B5EF4-FFF2-40B4-BE49-F238E27FC236}">
+                <a16:creationId xmlns:a16="http://schemas.microsoft.com/office/drawing/2014/main" id="{BB6E4BBC-B1CC-59F1-5E47-7C1EEA86B595}"/>
+              </a:ext>
+            </a:extLst>
+          </p:cNvPr>
+          <p:cNvSpPr txBox="1"/>
+          <p:nvPr/>
+        </p:nvSpPr>
+        <p:spPr>
+          <a:xfrm>
+            <a:off x="9145041" y="3491317"/>
+            <a:ext cx="2166323" cy="1600438"/>
+          </a:xfrm>
+          <a:prstGeom prst="rect">
+            <a:avLst/>
+          </a:prstGeom>
+          <a:noFill/>
+          <a:ln>
+            <a:solidFill>
+              <a:srgbClr val="FF0000"/>
+            </a:solidFill>
+          </a:ln>
+        </p:spPr>
+        <p:txBody>
+          <a:bodyPr wrap="square" rtlCol="0">
+            <a:spAutoFit/>
+          </a:bodyPr>
+          <a:lstStyle>
+            <a:defPPr marR="0" lvl="0" algn="l" rtl="0">
+              <a:lnSpc>
+                <a:spcPct val="100000"/>
+              </a:lnSpc>
+              <a:spcBef>
+                <a:spcPts val="0"/>
+              </a:spcBef>
+              <a:spcAft>
+                <a:spcPts val="0"/>
+              </a:spcAft>
+            </a:defPPr>
+            <a:lvl1pPr>
+              <a:defRPr>
+                <a:solidFill>
+                  <a:schemeClr val="tx1"/>
+                </a:solidFill>
+              </a:defRPr>
+            </a:lvl1pPr>
+          </a:lstStyle>
+          <a:p>
+            <a:r>
+              <a:rPr lang="en-US" dirty="0"/>
+              <a:t>When a report is in the </a:t>
+            </a:r>
+            <a:r>
+              <a:rPr lang="en-IN" b="1" dirty="0"/>
+              <a:t>Initialized</a:t>
+            </a:r>
+            <a:r>
+              <a:rPr lang="en-US" dirty="0"/>
+              <a:t>, </a:t>
+            </a:r>
+            <a:r>
+              <a:rPr lang="en-US" b="1" dirty="0"/>
+              <a:t>Manager Rejected , FA Rejected</a:t>
+            </a:r>
+            <a:r>
+              <a:rPr lang="en-US" dirty="0"/>
+              <a:t> stage</a:t>
+            </a:r>
+            <a:r>
+              <a:rPr lang="en-US" b="1" dirty="0"/>
+              <a:t> and all tickets in the report are deleted </a:t>
+            </a:r>
+            <a:r>
+              <a:rPr lang="en-US" dirty="0"/>
+              <a:t>then you can </a:t>
+            </a:r>
+            <a:r>
+              <a:rPr lang="en-US" b="1" dirty="0"/>
+              <a:t>Delete</a:t>
+            </a:r>
+            <a:r>
+              <a:rPr lang="en-US" dirty="0"/>
+              <a:t> the entire report.</a:t>
+            </a:r>
+            <a:endParaRPr lang="en-IN" dirty="0"/>
+          </a:p>
+        </p:txBody>
+      </p:sp>
+      <p:sp>
+        <p:nvSpPr>
+          <p:cNvPr id="9" name="Rectangle 8">
+            <a:extLst>
+              <a:ext uri="{FF2B5EF4-FFF2-40B4-BE49-F238E27FC236}">
+                <a16:creationId xmlns:a16="http://schemas.microsoft.com/office/drawing/2014/main" id="{0F151FB6-6BF4-16AF-F183-B7AD6D8C34EC}"/>
+              </a:ext>
+            </a:extLst>
+          </p:cNvPr>
+          <p:cNvSpPr/>
+          <p:nvPr/>
+        </p:nvSpPr>
+        <p:spPr>
+          <a:xfrm>
+            <a:off x="7678992" y="2843968"/>
+            <a:ext cx="1307690" cy="443161"/>
+          </a:xfrm>
+          <a:prstGeom prst="rect">
+            <a:avLst/>
+          </a:prstGeom>
+          <a:noFill/>
+          <a:ln>
+            <a:solidFill>
+              <a:srgbClr val="FF0000"/>
+            </a:solidFill>
+          </a:ln>
+        </p:spPr>
+        <p:style>
+          <a:lnRef idx="2">
+            <a:schemeClr val="accent1">
+              <a:shade val="15000"/>
+            </a:schemeClr>
+          </a:lnRef>
+          <a:fillRef idx="1">
+            <a:schemeClr val="accent1"/>
+          </a:fillRef>
+          <a:effectRef idx="0">
+            <a:schemeClr val="accent1"/>
+          </a:effectRef>
+          <a:fontRef idx="minor">
+            <a:schemeClr val="lt1"/>
+          </a:fontRef>
+        </p:style>
+        <p:txBody>
+          <a:bodyPr rtlCol="0" anchor="ctr"/>
+          <a:lstStyle/>
+          <a:p>
+            <a:pPr algn="ctr"/>
+            <a:endParaRPr lang="en-IN"/>
+          </a:p>
+        </p:txBody>
+      </p:sp>
+      <p:cxnSp>
+        <p:nvCxnSpPr>
+          <p:cNvPr id="10" name="Connector: Elbow 9">
+            <a:extLst>
+              <a:ext uri="{FF2B5EF4-FFF2-40B4-BE49-F238E27FC236}">
+                <a16:creationId xmlns:a16="http://schemas.microsoft.com/office/drawing/2014/main" id="{BEEE65EA-92D9-BA41-7B1E-386E43FB7163}"/>
+              </a:ext>
+            </a:extLst>
+          </p:cNvPr>
+          <p:cNvCxnSpPr>
+            <a:cxnSpLocks/>
+            <a:endCxn id="9" idx="3"/>
+          </p:cNvCxnSpPr>
+          <p:nvPr/>
+        </p:nvCxnSpPr>
+        <p:spPr>
+          <a:xfrm rot="16200000" flipV="1">
+            <a:off x="8896702" y="3155529"/>
+            <a:ext cx="425768" cy="245807"/>
+          </a:xfrm>
+          <a:prstGeom prst="bentConnector2">
+            <a:avLst/>
+          </a:prstGeom>
+          <a:ln>
+            <a:solidFill>
+              <a:srgbClr val="FF0000"/>
+            </a:solidFill>
+            <a:tailEnd type="triangle"/>
+          </a:ln>
+        </p:spPr>
+        <p:style>
+          <a:lnRef idx="2">
+            <a:schemeClr val="dk1"/>
+          </a:lnRef>
+          <a:fillRef idx="0">
+            <a:schemeClr val="dk1"/>
+          </a:fillRef>
+          <a:effectRef idx="1">
+            <a:schemeClr val="dk1"/>
+          </a:effectRef>
+          <a:fontRef idx="minor">
+            <a:schemeClr val="tx1"/>
+          </a:fontRef>
+        </p:style>
+      </p:cxnSp>
+    </p:spTree>
+    <p:extLst>
+      <p:ext uri="{BB962C8B-B14F-4D97-AF65-F5344CB8AC3E}">
+        <p14:creationId xmlns:p14="http://schemas.microsoft.com/office/powerpoint/2010/main" val="4090207526"/>
+      </p:ext>
+    </p:extLst>
+  </p:cSld>
+  <p:clrMapOvr>
+    <a:masterClrMapping/>
+  </p:clrMapOvr>
+</p:sld>
+</file>
+
+<file path=ppt/slides/slide19.xml><?xml version="1.0" encoding="utf-8"?>
 <p:sld xmlns:a="http://schemas.openxmlformats.org/drawingml/2006/main" xmlns:r="http://schemas.openxmlformats.org/officeDocument/2006/relationships" xmlns:p="http://schemas.openxmlformats.org/presentationml/2006/main">
   <p:cSld>
     <p:spTree>
@@ -26458,7 +26486,15 @@
           <a:p>
             <a:r>
               <a:rPr lang="en-US" dirty="0"/>
-              <a:t>If any ticket within a report is in the 'Manager Pending' stage, the report can be reverted. Only tickets in the 'Manager Pending' stage will be reverted.</a:t>
+              <a:t>If any ticket within a report is in the </a:t>
+            </a:r>
+            <a:r>
+              <a:rPr lang="en-US" b="1" dirty="0"/>
+              <a:t>'Manager Pending</a:t>
+            </a:r>
+            <a:r>
+              <a:rPr lang="en-US" dirty="0"/>
+              <a:t>' stage, the report can be reverted back. Only tickets in the 'Manager Pending' stage will be reverted.</a:t>
             </a:r>
             <a:endParaRPr lang="en-IN" dirty="0"/>
           </a:p>
@@ -26574,7 +26610,121 @@
 </p:sld>
 </file>
 
-<file path=ppt/slides/slide19.xml><?xml version="1.0" encoding="utf-8"?>
+<file path=ppt/slides/slide2.xml><?xml version="1.0" encoding="utf-8"?>
+<p:sld xmlns:a="http://schemas.openxmlformats.org/drawingml/2006/main" xmlns:r="http://schemas.openxmlformats.org/officeDocument/2006/relationships" xmlns:p="http://schemas.openxmlformats.org/presentationml/2006/main">
+  <p:cSld>
+    <p:spTree>
+      <p:nvGrpSpPr>
+        <p:cNvPr id="1" name="Shape 186"/>
+        <p:cNvGrpSpPr/>
+        <p:nvPr/>
+      </p:nvGrpSpPr>
+      <p:grpSpPr>
+        <a:xfrm>
+          <a:off x="0" y="0"/>
+          <a:ext cx="0" cy="0"/>
+          <a:chOff x="0" y="0"/>
+          <a:chExt cx="0" cy="0"/>
+        </a:xfrm>
+      </p:grpSpPr>
+      <p:sp>
+        <p:nvSpPr>
+          <p:cNvPr id="187" name="Google Shape;187;p27"/>
+          <p:cNvSpPr txBox="1">
+            <a:spLocks noGrp="1"/>
+          </p:cNvSpPr>
+          <p:nvPr>
+            <p:ph type="ctrTitle"/>
+          </p:nvPr>
+        </p:nvSpPr>
+        <p:spPr>
+          <a:xfrm>
+            <a:off x="1067400" y="3429000"/>
+            <a:ext cx="10057200" cy="1112749"/>
+          </a:xfrm>
+          <a:prstGeom prst="rect">
+            <a:avLst/>
+          </a:prstGeom>
+          <a:noFill/>
+          <a:ln>
+            <a:noFill/>
+          </a:ln>
+        </p:spPr>
+        <p:txBody>
+          <a:bodyPr spcFirstLastPara="1" wrap="square" lIns="91425" tIns="45700" rIns="91425" bIns="45700" anchor="b" anchorCtr="0">
+            <a:normAutofit fontScale="90000"/>
+          </a:bodyPr>
+          <a:lstStyle/>
+          <a:p>
+            <a:pPr lvl="0">
+              <a:lnSpc>
+                <a:spcPct val="100000"/>
+              </a:lnSpc>
+            </a:pPr>
+            <a:r>
+              <a:rPr lang="en-US" b="1" dirty="0">
+                <a:solidFill>
+                  <a:schemeClr val="accent1"/>
+                </a:solidFill>
+              </a:rPr>
+              <a:t>DF TICKETING SYSTEM</a:t>
+            </a:r>
+            <a:br>
+              <a:rPr lang="en-US" b="1" dirty="0">
+                <a:solidFill>
+                  <a:schemeClr val="accent1"/>
+                </a:solidFill>
+              </a:rPr>
+            </a:br>
+            <a:br>
+              <a:rPr lang="en-US" sz="2700" b="1" dirty="0">
+                <a:solidFill>
+                  <a:schemeClr val="accent1"/>
+                </a:solidFill>
+              </a:rPr>
+            </a:br>
+            <a:br>
+              <a:rPr lang="en-US" b="1" dirty="0"/>
+            </a:br>
+            <a:r>
+              <a:rPr lang="en-US" sz="2000" dirty="0">
+                <a:solidFill>
+                  <a:srgbClr val="FF0000"/>
+                </a:solidFill>
+                <a:hlinkClick r:id="rId3">
+                  <a:extLst>
+                    <a:ext uri="{A12FA001-AC4F-418D-AE19-62706E023703}">
+                      <ahyp:hlinkClr xmlns:ahyp="http://schemas.microsoft.com/office/drawing/2018/hyperlinkcolor" val="tx"/>
+                    </a:ext>
+                  </a:extLst>
+                </a:hlinkClick>
+              </a:rPr>
+              <a:t>https://dfticketing.org</a:t>
+            </a:r>
+            <a:br>
+              <a:rPr lang="en-US" sz="2000" dirty="0">
+                <a:solidFill>
+                  <a:srgbClr val="FF0000"/>
+                </a:solidFill>
+              </a:rPr>
+            </a:br>
+            <a:endParaRPr sz="2000" b="1" dirty="0">
+              <a:solidFill>
+                <a:srgbClr val="FF0000"/>
+              </a:solidFill>
+            </a:endParaRPr>
+          </a:p>
+        </p:txBody>
+      </p:sp>
+    </p:spTree>
+  </p:cSld>
+  <p:clrMapOvr>
+    <a:masterClrMapping/>
+  </p:clrMapOvr>
+</p:sld>
+</file>
+
+<file path=ppt/slides/slide20.xml><?xml version="1.0" encoding="utf-8"?>
 <p:sld xmlns:a="http://schemas.openxmlformats.org/drawingml/2006/main" xmlns:r="http://schemas.openxmlformats.org/officeDocument/2006/relationships" xmlns:p="http://schemas.openxmlformats.org/presentationml/2006/main">
   <p:cSld>
     <p:spTree>
@@ -26939,126 +27089,7 @@
 </p:sld>
 </file>
 
-<file path=ppt/slides/slide2.xml><?xml version="1.0" encoding="utf-8"?>
-<p:sld xmlns:a="http://schemas.openxmlformats.org/drawingml/2006/main" xmlns:r="http://schemas.openxmlformats.org/officeDocument/2006/relationships" xmlns:p="http://schemas.openxmlformats.org/presentationml/2006/main">
-  <p:cSld>
-    <p:spTree>
-      <p:nvGrpSpPr>
-        <p:cNvPr id="1" name="Shape 186"/>
-        <p:cNvGrpSpPr/>
-        <p:nvPr/>
-      </p:nvGrpSpPr>
-      <p:grpSpPr>
-        <a:xfrm>
-          <a:off x="0" y="0"/>
-          <a:ext cx="0" cy="0"/>
-          <a:chOff x="0" y="0"/>
-          <a:chExt cx="0" cy="0"/>
-        </a:xfrm>
-      </p:grpSpPr>
-      <p:sp>
-        <p:nvSpPr>
-          <p:cNvPr id="187" name="Google Shape;187;p27"/>
-          <p:cNvSpPr txBox="1">
-            <a:spLocks noGrp="1"/>
-          </p:cNvSpPr>
-          <p:nvPr>
-            <p:ph type="ctrTitle"/>
-          </p:nvPr>
-        </p:nvSpPr>
-        <p:spPr>
-          <a:xfrm>
-            <a:off x="1067400" y="3429000"/>
-            <a:ext cx="10057200" cy="1112749"/>
-          </a:xfrm>
-          <a:prstGeom prst="rect">
-            <a:avLst/>
-          </a:prstGeom>
-          <a:noFill/>
-          <a:ln>
-            <a:noFill/>
-          </a:ln>
-        </p:spPr>
-        <p:txBody>
-          <a:bodyPr spcFirstLastPara="1" wrap="square" lIns="91425" tIns="45700" rIns="91425" bIns="45700" anchor="b" anchorCtr="0">
-            <a:normAutofit fontScale="90000"/>
-          </a:bodyPr>
-          <a:lstStyle/>
-          <a:p>
-            <a:pPr marL="0" lvl="0" indent="0" algn="ctr" rtl="0">
-              <a:lnSpc>
-                <a:spcPct val="100000"/>
-              </a:lnSpc>
-              <a:spcBef>
-                <a:spcPts val="0"/>
-              </a:spcBef>
-              <a:spcAft>
-                <a:spcPts val="0"/>
-              </a:spcAft>
-              <a:buClr>
-                <a:schemeClr val="dk1"/>
-              </a:buClr>
-              <a:buSzPts val="6000"/>
-              <a:buFont typeface="Calibri"/>
-              <a:buNone/>
-            </a:pPr>
-            <a:r>
-              <a:rPr lang="en-US" b="1" dirty="0">
-                <a:solidFill>
-                  <a:schemeClr val="accent1"/>
-                </a:solidFill>
-              </a:rPr>
-              <a:t>DF TICKETING SYSTEM</a:t>
-            </a:r>
-            <a:br>
-              <a:rPr lang="en-US" b="1" dirty="0">
-                <a:solidFill>
-                  <a:schemeClr val="accent1"/>
-                </a:solidFill>
-              </a:rPr>
-            </a:br>
-            <a:br>
-              <a:rPr lang="en-US" sz="2700" b="1" dirty="0">
-                <a:solidFill>
-                  <a:schemeClr val="accent1"/>
-                </a:solidFill>
-              </a:rPr>
-            </a:br>
-            <a:br>
-              <a:rPr lang="en-US" b="1" dirty="0"/>
-            </a:br>
-            <a:r>
-              <a:rPr lang="en-US" sz="2000" b="1" dirty="0">
-                <a:solidFill>
-                  <a:srgbClr val="FF0000"/>
-                </a:solidFill>
-                <a:hlinkClick r:id="rId3">
-                  <a:extLst>
-                    <a:ext uri="{A12FA001-AC4F-418D-AE19-62706E023703}">
-                      <ahyp:hlinkClr xmlns:ahyp="http://schemas.microsoft.com/office/drawing/2018/hyperlinkcolor" val="tx"/>
-                    </a:ext>
-                  </a:extLst>
-                </a:hlinkClick>
-              </a:rPr>
-              <a:t>http://ec2-13-212-83-175.ap-southeast-1.compute.amazonaws.com:81/</a:t>
-            </a:r>
-            <a:endParaRPr sz="2000" b="1" dirty="0">
-              <a:solidFill>
-                <a:srgbClr val="FF0000"/>
-              </a:solidFill>
-            </a:endParaRPr>
-          </a:p>
-        </p:txBody>
-      </p:sp>
-    </p:spTree>
-  </p:cSld>
-  <p:clrMapOvr>
-    <a:masterClrMapping/>
-  </p:clrMapOvr>
-</p:sld>
-</file>
-
-<file path=ppt/slides/slide20.xml><?xml version="1.0" encoding="utf-8"?>
+<file path=ppt/slides/slide21.xml><?xml version="1.0" encoding="utf-8"?>
 <p:sld xmlns:a="http://schemas.openxmlformats.org/drawingml/2006/main" xmlns:r="http://schemas.openxmlformats.org/officeDocument/2006/relationships" xmlns:p="http://schemas.openxmlformats.org/presentationml/2006/main">
   <p:cSld>
     <p:spTree>
@@ -27187,7 +27218,7 @@
 </p:sld>
 </file>
 
-<file path=ppt/slides/slide21.xml><?xml version="1.0" encoding="utf-8"?>
+<file path=ppt/slides/slide22.xml><?xml version="1.0" encoding="utf-8"?>
 <p:sld xmlns:a="http://schemas.openxmlformats.org/drawingml/2006/main" xmlns:r="http://schemas.openxmlformats.org/officeDocument/2006/relationships" xmlns:p="http://schemas.openxmlformats.org/presentationml/2006/main">
   <p:cSld>
     <p:spTree>
@@ -27416,7 +27447,7 @@
             </a:pPr>
             <a:fld id="{00000000-1234-1234-1234-123412341234}" type="slidenum">
               <a:rPr lang="en-US"/>
-              <a:t>21</a:t>
+              <a:t>22</a:t>
             </a:fld>
             <a:endParaRPr/>
           </a:p>
@@ -27845,132 +27876,6 @@
 </file>
 
 <file path=ppt/slides/slide4.xml><?xml version="1.0" encoding="utf-8"?>
-<p:sld xmlns:a="http://schemas.openxmlformats.org/drawingml/2006/main" xmlns:r="http://schemas.openxmlformats.org/officeDocument/2006/relationships" xmlns:p="http://schemas.openxmlformats.org/presentationml/2006/main">
-  <p:cSld>
-    <p:spTree>
-      <p:nvGrpSpPr>
-        <p:cNvPr id="1" name="Shape 192">
-          <a:extLst>
-            <a:ext uri="{FF2B5EF4-FFF2-40B4-BE49-F238E27FC236}">
-              <a16:creationId xmlns:a16="http://schemas.microsoft.com/office/drawing/2014/main" id="{0A96CFF1-F23D-EF95-1146-15C71C679965}"/>
-            </a:ext>
-          </a:extLst>
-        </p:cNvPr>
-        <p:cNvGrpSpPr/>
-        <p:nvPr/>
-      </p:nvGrpSpPr>
-      <p:grpSpPr>
-        <a:xfrm>
-          <a:off x="0" y="0"/>
-          <a:ext cx="0" cy="0"/>
-          <a:chOff x="0" y="0"/>
-          <a:chExt cx="0" cy="0"/>
-        </a:xfrm>
-      </p:grpSpPr>
-      <p:sp>
-        <p:nvSpPr>
-          <p:cNvPr id="193" name="Google Shape;193;p28">
-            <a:extLst>
-              <a:ext uri="{FF2B5EF4-FFF2-40B4-BE49-F238E27FC236}">
-                <a16:creationId xmlns:a16="http://schemas.microsoft.com/office/drawing/2014/main" id="{E1881B15-8506-618C-FFF6-5F015C7CD667}"/>
-              </a:ext>
-            </a:extLst>
-          </p:cNvPr>
-          <p:cNvSpPr txBox="1">
-            <a:spLocks noGrp="1"/>
-          </p:cNvSpPr>
-          <p:nvPr>
-            <p:ph type="title"/>
-          </p:nvPr>
-        </p:nvSpPr>
-        <p:spPr>
-          <a:xfrm>
-            <a:off x="2534475" y="219200"/>
-            <a:ext cx="8945400" cy="660600"/>
-          </a:xfrm>
-          <a:prstGeom prst="rect">
-            <a:avLst/>
-          </a:prstGeom>
-          <a:noFill/>
-          <a:ln>
-            <a:noFill/>
-          </a:ln>
-        </p:spPr>
-        <p:txBody>
-          <a:bodyPr spcFirstLastPara="1" wrap="square" lIns="91425" tIns="45700" rIns="91425" bIns="45700" anchor="ctr" anchorCtr="0">
-            <a:normAutofit/>
-          </a:bodyPr>
-          <a:lstStyle/>
-          <a:p>
-            <a:pPr marL="0" lvl="0" indent="0" algn="ctr" rtl="0">
-              <a:lnSpc>
-                <a:spcPct val="90000"/>
-              </a:lnSpc>
-              <a:spcBef>
-                <a:spcPts val="0"/>
-              </a:spcBef>
-              <a:spcAft>
-                <a:spcPts val="0"/>
-              </a:spcAft>
-              <a:buClr>
-                <a:schemeClr val="dk1"/>
-              </a:buClr>
-              <a:buSzPts val="4400"/>
-              <a:buFont typeface="Calibri"/>
-              <a:buNone/>
-            </a:pPr>
-            <a:r>
-              <a:rPr lang="en-US" sz="4000" dirty="0"/>
-              <a:t>Email</a:t>
-            </a:r>
-          </a:p>
-        </p:txBody>
-      </p:sp>
-      <p:pic>
-        <p:nvPicPr>
-          <p:cNvPr id="5" name="Picture 4">
-            <a:extLst>
-              <a:ext uri="{FF2B5EF4-FFF2-40B4-BE49-F238E27FC236}">
-                <a16:creationId xmlns:a16="http://schemas.microsoft.com/office/drawing/2014/main" id="{604D077D-12F3-D57A-7B21-BDA64777C0AA}"/>
-              </a:ext>
-            </a:extLst>
-          </p:cNvPr>
-          <p:cNvPicPr>
-            <a:picLocks noChangeAspect="1"/>
-          </p:cNvPicPr>
-          <p:nvPr/>
-        </p:nvPicPr>
-        <p:blipFill>
-          <a:blip r:embed="rId3"/>
-          <a:srcRect t="15814"/>
-          <a:stretch>
-            <a:fillRect/>
-          </a:stretch>
-        </p:blipFill>
-        <p:spPr>
-          <a:xfrm>
-            <a:off x="1268730" y="1120140"/>
-            <a:ext cx="9391619" cy="5141470"/>
-          </a:xfrm>
-          <a:prstGeom prst="rect">
-            <a:avLst/>
-          </a:prstGeom>
-        </p:spPr>
-      </p:pic>
-    </p:spTree>
-    <p:extLst>
-      <p:ext uri="{BB962C8B-B14F-4D97-AF65-F5344CB8AC3E}">
-        <p14:creationId xmlns:p14="http://schemas.microsoft.com/office/powerpoint/2010/main" val="3709198933"/>
-      </p:ext>
-    </p:extLst>
-  </p:cSld>
-  <p:clrMapOvr>
-    <a:masterClrMapping/>
-  </p:clrMapOvr>
-</p:sld>
-</file>
-
-<file path=ppt/slides/slide5.xml><?xml version="1.0" encoding="utf-8"?>
 <p:sld xmlns:a="http://schemas.openxmlformats.org/drawingml/2006/main" xmlns:r="http://schemas.openxmlformats.org/officeDocument/2006/relationships" xmlns:p="http://schemas.openxmlformats.org/presentationml/2006/main">
   <p:cSld>
     <p:spTree>
@@ -28600,7 +28505,7 @@
 </p:sld>
 </file>
 
-<file path=ppt/slides/slide6.xml><?xml version="1.0" encoding="utf-8"?>
+<file path=ppt/slides/slide5.xml><?xml version="1.0" encoding="utf-8"?>
 <p:sld xmlns:a="http://schemas.openxmlformats.org/drawingml/2006/main" xmlns:r="http://schemas.openxmlformats.org/officeDocument/2006/relationships" xmlns:p="http://schemas.openxmlformats.org/presentationml/2006/main">
   <p:cSld>
     <p:spTree>
@@ -29102,7 +29007,7 @@
 </p:sld>
 </file>
 
-<file path=ppt/slides/slide7.xml><?xml version="1.0" encoding="utf-8"?>
+<file path=ppt/slides/slide6.xml><?xml version="1.0" encoding="utf-8"?>
 <p:sld xmlns:a="http://schemas.openxmlformats.org/drawingml/2006/main" xmlns:r="http://schemas.openxmlformats.org/officeDocument/2006/relationships" xmlns:p="http://schemas.openxmlformats.org/presentationml/2006/main">
   <p:cSld>
     <p:spTree>
@@ -29963,7 +29868,7 @@
 </p:sld>
 </file>
 
-<file path=ppt/slides/slide8.xml><?xml version="1.0" encoding="utf-8"?>
+<file path=ppt/slides/slide7.xml><?xml version="1.0" encoding="utf-8"?>
 <p:sld xmlns:a="http://schemas.openxmlformats.org/drawingml/2006/main" xmlns:r="http://schemas.openxmlformats.org/officeDocument/2006/relationships" xmlns:p="http://schemas.openxmlformats.org/presentationml/2006/main">
   <p:cSld>
     <p:spTree>
@@ -30442,7 +30347,7 @@
 </p:sld>
 </file>
 
-<file path=ppt/slides/slide9.xml><?xml version="1.0" encoding="utf-8"?>
+<file path=ppt/slides/slide8.xml><?xml version="1.0" encoding="utf-8"?>
 <p:sld xmlns:a="http://schemas.openxmlformats.org/drawingml/2006/main" xmlns:r="http://schemas.openxmlformats.org/officeDocument/2006/relationships" xmlns:p="http://schemas.openxmlformats.org/presentationml/2006/main">
   <p:cSld>
     <p:spTree>
@@ -30900,6 +30805,472 @@
     <p:extLst>
       <p:ext uri="{BB962C8B-B14F-4D97-AF65-F5344CB8AC3E}">
         <p14:creationId xmlns:p14="http://schemas.microsoft.com/office/powerpoint/2010/main" val="3917041426"/>
+      </p:ext>
+    </p:extLst>
+  </p:cSld>
+  <p:clrMapOvr>
+    <a:masterClrMapping/>
+  </p:clrMapOvr>
+</p:sld>
+</file>
+
+<file path=ppt/slides/slide9.xml><?xml version="1.0" encoding="utf-8"?>
+<p:sld xmlns:a="http://schemas.openxmlformats.org/drawingml/2006/main" xmlns:r="http://schemas.openxmlformats.org/officeDocument/2006/relationships" xmlns:p="http://schemas.openxmlformats.org/presentationml/2006/main">
+  <p:cSld>
+    <p:spTree>
+      <p:nvGrpSpPr>
+        <p:cNvPr id="1" name="Shape 192">
+          <a:extLst>
+            <a:ext uri="{FF2B5EF4-FFF2-40B4-BE49-F238E27FC236}">
+              <a16:creationId xmlns:a16="http://schemas.microsoft.com/office/drawing/2014/main" id="{6F6BCAAB-4869-AF58-DB36-A25126AB3462}"/>
+            </a:ext>
+          </a:extLst>
+        </p:cNvPr>
+        <p:cNvGrpSpPr/>
+        <p:nvPr/>
+      </p:nvGrpSpPr>
+      <p:grpSpPr>
+        <a:xfrm>
+          <a:off x="0" y="0"/>
+          <a:ext cx="0" cy="0"/>
+          <a:chOff x="0" y="0"/>
+          <a:chExt cx="0" cy="0"/>
+        </a:xfrm>
+      </p:grpSpPr>
+      <p:pic>
+        <p:nvPicPr>
+          <p:cNvPr id="3" name="Picture 2">
+            <a:extLst>
+              <a:ext uri="{FF2B5EF4-FFF2-40B4-BE49-F238E27FC236}">
+                <a16:creationId xmlns:a16="http://schemas.microsoft.com/office/drawing/2014/main" id="{4F93653D-E64E-969E-7FBA-CFF7AA3E5435}"/>
+              </a:ext>
+            </a:extLst>
+          </p:cNvPr>
+          <p:cNvPicPr>
+            <a:picLocks noChangeAspect="1"/>
+          </p:cNvPicPr>
+          <p:nvPr/>
+        </p:nvPicPr>
+        <p:blipFill>
+          <a:blip r:embed="rId3"/>
+          <a:stretch>
+            <a:fillRect/>
+          </a:stretch>
+        </p:blipFill>
+        <p:spPr>
+          <a:xfrm>
+            <a:off x="0" y="983269"/>
+            <a:ext cx="9222658" cy="3303596"/>
+          </a:xfrm>
+          <a:prstGeom prst="rect">
+            <a:avLst/>
+          </a:prstGeom>
+        </p:spPr>
+      </p:pic>
+      <p:pic>
+        <p:nvPicPr>
+          <p:cNvPr id="6" name="Picture 5">
+            <a:extLst>
+              <a:ext uri="{FF2B5EF4-FFF2-40B4-BE49-F238E27FC236}">
+                <a16:creationId xmlns:a16="http://schemas.microsoft.com/office/drawing/2014/main" id="{ACEBBA1D-BA39-4300-5129-30F811E3B7C6}"/>
+              </a:ext>
+            </a:extLst>
+          </p:cNvPr>
+          <p:cNvPicPr>
+            <a:picLocks noChangeAspect="1"/>
+          </p:cNvPicPr>
+          <p:nvPr/>
+        </p:nvPicPr>
+        <p:blipFill>
+          <a:blip r:embed="rId4"/>
+          <a:srcRect t="6756"/>
+          <a:stretch/>
+        </p:blipFill>
+        <p:spPr>
+          <a:xfrm>
+            <a:off x="0" y="4109881"/>
+            <a:ext cx="9222658" cy="2654668"/>
+          </a:xfrm>
+          <a:prstGeom prst="rect">
+            <a:avLst/>
+          </a:prstGeom>
+        </p:spPr>
+      </p:pic>
+      <p:sp>
+        <p:nvSpPr>
+          <p:cNvPr id="193" name="Google Shape;193;p28">
+            <a:extLst>
+              <a:ext uri="{FF2B5EF4-FFF2-40B4-BE49-F238E27FC236}">
+                <a16:creationId xmlns:a16="http://schemas.microsoft.com/office/drawing/2014/main" id="{7187E498-0EBA-BA68-1787-DE20A1C2C6F1}"/>
+              </a:ext>
+            </a:extLst>
+          </p:cNvPr>
+          <p:cNvSpPr txBox="1">
+            <a:spLocks noGrp="1"/>
+          </p:cNvSpPr>
+          <p:nvPr>
+            <p:ph type="title"/>
+          </p:nvPr>
+        </p:nvSpPr>
+        <p:spPr>
+          <a:xfrm>
+            <a:off x="2534475" y="219200"/>
+            <a:ext cx="8945400" cy="660600"/>
+          </a:xfrm>
+          <a:prstGeom prst="rect">
+            <a:avLst/>
+          </a:prstGeom>
+          <a:noFill/>
+          <a:ln>
+            <a:noFill/>
+          </a:ln>
+        </p:spPr>
+        <p:txBody>
+          <a:bodyPr spcFirstLastPara="1" wrap="square" lIns="91425" tIns="45700" rIns="91425" bIns="45700" anchor="ctr" anchorCtr="0">
+            <a:normAutofit/>
+          </a:bodyPr>
+          <a:lstStyle/>
+          <a:p>
+            <a:pPr marL="0" lvl="0" indent="0" algn="ctr" rtl="0">
+              <a:lnSpc>
+                <a:spcPct val="90000"/>
+              </a:lnSpc>
+              <a:spcBef>
+                <a:spcPts val="0"/>
+              </a:spcBef>
+              <a:spcAft>
+                <a:spcPts val="0"/>
+              </a:spcAft>
+              <a:buClr>
+                <a:schemeClr val="dk1"/>
+              </a:buClr>
+              <a:buSzPts val="4400"/>
+              <a:buFont typeface="Calibri"/>
+              <a:buNone/>
+            </a:pPr>
+            <a:r>
+              <a:rPr lang="en-US" sz="4000" dirty="0"/>
+              <a:t>Travel Reimbursement</a:t>
+            </a:r>
+          </a:p>
+        </p:txBody>
+      </p:sp>
+      <p:sp>
+        <p:nvSpPr>
+          <p:cNvPr id="12" name="Rectangle 11">
+            <a:extLst>
+              <a:ext uri="{FF2B5EF4-FFF2-40B4-BE49-F238E27FC236}">
+                <a16:creationId xmlns:a16="http://schemas.microsoft.com/office/drawing/2014/main" id="{573C3914-9136-714C-4595-A440C7EF6944}"/>
+              </a:ext>
+            </a:extLst>
+          </p:cNvPr>
+          <p:cNvSpPr/>
+          <p:nvPr/>
+        </p:nvSpPr>
+        <p:spPr>
+          <a:xfrm>
+            <a:off x="2820817" y="1336622"/>
+            <a:ext cx="3738342" cy="2773258"/>
+          </a:xfrm>
+          <a:prstGeom prst="rect">
+            <a:avLst/>
+          </a:prstGeom>
+          <a:noFill/>
+          <a:ln>
+            <a:solidFill>
+              <a:srgbClr val="FF0000"/>
+            </a:solidFill>
+          </a:ln>
+        </p:spPr>
+        <p:style>
+          <a:lnRef idx="2">
+            <a:schemeClr val="accent1">
+              <a:shade val="15000"/>
+            </a:schemeClr>
+          </a:lnRef>
+          <a:fillRef idx="1">
+            <a:schemeClr val="accent1"/>
+          </a:fillRef>
+          <a:effectRef idx="0">
+            <a:schemeClr val="accent1"/>
+          </a:effectRef>
+          <a:fontRef idx="minor">
+            <a:schemeClr val="lt1"/>
+          </a:fontRef>
+        </p:style>
+        <p:txBody>
+          <a:bodyPr rtlCol="0" anchor="ctr"/>
+          <a:lstStyle/>
+          <a:p>
+            <a:pPr algn="ctr"/>
+            <a:endParaRPr lang="en-IN"/>
+          </a:p>
+        </p:txBody>
+      </p:sp>
+      <p:cxnSp>
+        <p:nvCxnSpPr>
+          <p:cNvPr id="16" name="Straight Arrow Connector 15">
+            <a:extLst>
+              <a:ext uri="{FF2B5EF4-FFF2-40B4-BE49-F238E27FC236}">
+                <a16:creationId xmlns:a16="http://schemas.microsoft.com/office/drawing/2014/main" id="{E9003407-FBA4-CDB1-2A6B-12E9EA8D3E57}"/>
+              </a:ext>
+            </a:extLst>
+          </p:cNvPr>
+          <p:cNvCxnSpPr>
+            <a:cxnSpLocks/>
+          </p:cNvCxnSpPr>
+          <p:nvPr/>
+        </p:nvCxnSpPr>
+        <p:spPr>
+          <a:xfrm flipH="1">
+            <a:off x="6588655" y="1858298"/>
+            <a:ext cx="2753033" cy="0"/>
+          </a:xfrm>
+          <a:prstGeom prst="straightConnector1">
+            <a:avLst/>
+          </a:prstGeom>
+          <a:ln>
+            <a:solidFill>
+              <a:srgbClr val="FF0000"/>
+            </a:solidFill>
+            <a:tailEnd type="triangle"/>
+          </a:ln>
+        </p:spPr>
+        <p:style>
+          <a:lnRef idx="2">
+            <a:schemeClr val="dk1"/>
+          </a:lnRef>
+          <a:fillRef idx="0">
+            <a:schemeClr val="dk1"/>
+          </a:fillRef>
+          <a:effectRef idx="1">
+            <a:schemeClr val="dk1"/>
+          </a:effectRef>
+          <a:fontRef idx="minor">
+            <a:schemeClr val="tx1"/>
+          </a:fontRef>
+        </p:style>
+      </p:cxnSp>
+      <p:sp>
+        <p:nvSpPr>
+          <p:cNvPr id="18" name="TextBox 17">
+            <a:extLst>
+              <a:ext uri="{FF2B5EF4-FFF2-40B4-BE49-F238E27FC236}">
+                <a16:creationId xmlns:a16="http://schemas.microsoft.com/office/drawing/2014/main" id="{3FE57A7E-6E05-D7F2-595E-09D6E4AE9BAC}"/>
+              </a:ext>
+            </a:extLst>
+          </p:cNvPr>
+          <p:cNvSpPr txBox="1"/>
+          <p:nvPr/>
+        </p:nvSpPr>
+        <p:spPr>
+          <a:xfrm>
+            <a:off x="9341688" y="1077024"/>
+            <a:ext cx="2166323" cy="1169551"/>
+          </a:xfrm>
+          <a:prstGeom prst="rect">
+            <a:avLst/>
+          </a:prstGeom>
+          <a:noFill/>
+          <a:ln>
+            <a:solidFill>
+              <a:srgbClr val="FF0000"/>
+            </a:solidFill>
+          </a:ln>
+        </p:spPr>
+        <p:txBody>
+          <a:bodyPr wrap="square" rtlCol="0">
+            <a:spAutoFit/>
+          </a:bodyPr>
+          <a:lstStyle>
+            <a:defPPr marR="0" lvl="0" algn="l" rtl="0">
+              <a:lnSpc>
+                <a:spcPct val="100000"/>
+              </a:lnSpc>
+              <a:spcBef>
+                <a:spcPts val="0"/>
+              </a:spcBef>
+              <a:spcAft>
+                <a:spcPts val="0"/>
+              </a:spcAft>
+            </a:defPPr>
+            <a:lvl1pPr>
+              <a:defRPr>
+                <a:solidFill>
+                  <a:schemeClr val="tx1"/>
+                </a:solidFill>
+              </a:defRPr>
+            </a:lvl1pPr>
+          </a:lstStyle>
+          <a:p>
+            <a:r>
+              <a:rPr lang="en-US" dirty="0"/>
+              <a:t>Now, if you select Travel, this section will open where you need to fill in all the details marked with a red asterisk (*).</a:t>
+            </a:r>
+            <a:endParaRPr lang="en-IN" dirty="0"/>
+          </a:p>
+        </p:txBody>
+      </p:sp>
+      <p:sp>
+        <p:nvSpPr>
+          <p:cNvPr id="15" name="Rectangle 14">
+            <a:extLst>
+              <a:ext uri="{FF2B5EF4-FFF2-40B4-BE49-F238E27FC236}">
+                <a16:creationId xmlns:a16="http://schemas.microsoft.com/office/drawing/2014/main" id="{56CD4B67-7D03-88C7-5025-878965F7E6C8}"/>
+              </a:ext>
+            </a:extLst>
+          </p:cNvPr>
+          <p:cNvSpPr/>
+          <p:nvPr/>
+        </p:nvSpPr>
+        <p:spPr>
+          <a:xfrm>
+            <a:off x="2742158" y="4286865"/>
+            <a:ext cx="3738342" cy="1986114"/>
+          </a:xfrm>
+          <a:prstGeom prst="rect">
+            <a:avLst/>
+          </a:prstGeom>
+          <a:noFill/>
+          <a:ln>
+            <a:solidFill>
+              <a:srgbClr val="FF0000"/>
+            </a:solidFill>
+          </a:ln>
+        </p:spPr>
+        <p:style>
+          <a:lnRef idx="2">
+            <a:schemeClr val="accent1">
+              <a:shade val="15000"/>
+            </a:schemeClr>
+          </a:lnRef>
+          <a:fillRef idx="1">
+            <a:schemeClr val="accent1"/>
+          </a:fillRef>
+          <a:effectRef idx="0">
+            <a:schemeClr val="accent1"/>
+          </a:effectRef>
+          <a:fontRef idx="minor">
+            <a:schemeClr val="lt1"/>
+          </a:fontRef>
+        </p:style>
+        <p:txBody>
+          <a:bodyPr rtlCol="0" anchor="ctr"/>
+          <a:lstStyle/>
+          <a:p>
+            <a:pPr algn="ctr"/>
+            <a:endParaRPr lang="en-IN"/>
+          </a:p>
+        </p:txBody>
+      </p:sp>
+      <p:sp>
+        <p:nvSpPr>
+          <p:cNvPr id="20" name="TextBox 19">
+            <a:extLst>
+              <a:ext uri="{FF2B5EF4-FFF2-40B4-BE49-F238E27FC236}">
+                <a16:creationId xmlns:a16="http://schemas.microsoft.com/office/drawing/2014/main" id="{82F36620-5657-C833-F450-6413809D3111}"/>
+              </a:ext>
+            </a:extLst>
+          </p:cNvPr>
+          <p:cNvSpPr txBox="1"/>
+          <p:nvPr/>
+        </p:nvSpPr>
+        <p:spPr>
+          <a:xfrm>
+            <a:off x="9471246" y="3740548"/>
+            <a:ext cx="2166323" cy="738664"/>
+          </a:xfrm>
+          <a:prstGeom prst="rect">
+            <a:avLst/>
+          </a:prstGeom>
+          <a:noFill/>
+          <a:ln>
+            <a:solidFill>
+              <a:srgbClr val="FF0000"/>
+            </a:solidFill>
+          </a:ln>
+        </p:spPr>
+        <p:txBody>
+          <a:bodyPr wrap="square" rtlCol="0">
+            <a:spAutoFit/>
+          </a:bodyPr>
+          <a:lstStyle>
+            <a:defPPr marR="0" lvl="0" algn="l" rtl="0">
+              <a:lnSpc>
+                <a:spcPct val="100000"/>
+              </a:lnSpc>
+              <a:spcBef>
+                <a:spcPts val="0"/>
+              </a:spcBef>
+              <a:spcAft>
+                <a:spcPts val="0"/>
+              </a:spcAft>
+            </a:defPPr>
+            <a:lvl1pPr>
+              <a:defRPr>
+                <a:solidFill>
+                  <a:schemeClr val="tx1"/>
+                </a:solidFill>
+              </a:defRPr>
+            </a:lvl1pPr>
+          </a:lstStyle>
+          <a:p>
+            <a:r>
+              <a:rPr lang="en-US" dirty="0"/>
+              <a:t>The section below is for attaching bills related to that expense.</a:t>
+            </a:r>
+            <a:endParaRPr lang="en-IN" dirty="0"/>
+          </a:p>
+        </p:txBody>
+      </p:sp>
+      <p:cxnSp>
+        <p:nvCxnSpPr>
+          <p:cNvPr id="17" name="Connector: Elbow 16">
+            <a:extLst>
+              <a:ext uri="{FF2B5EF4-FFF2-40B4-BE49-F238E27FC236}">
+                <a16:creationId xmlns:a16="http://schemas.microsoft.com/office/drawing/2014/main" id="{1B1FB578-4A9F-29BC-CF31-2A9782F4B180}"/>
+              </a:ext>
+            </a:extLst>
+          </p:cNvPr>
+          <p:cNvCxnSpPr>
+            <a:cxnSpLocks/>
+          </p:cNvCxnSpPr>
+          <p:nvPr/>
+        </p:nvCxnSpPr>
+        <p:spPr>
+          <a:xfrm rot="10800000" flipV="1">
+            <a:off x="6588655" y="4075191"/>
+            <a:ext cx="2875928" cy="988592"/>
+          </a:xfrm>
+          <a:prstGeom prst="bentConnector3">
+            <a:avLst/>
+          </a:prstGeom>
+          <a:ln>
+            <a:solidFill>
+              <a:srgbClr val="FF0000"/>
+            </a:solidFill>
+            <a:tailEnd type="triangle"/>
+          </a:ln>
+        </p:spPr>
+        <p:style>
+          <a:lnRef idx="2">
+            <a:schemeClr val="dk1"/>
+          </a:lnRef>
+          <a:fillRef idx="0">
+            <a:schemeClr val="dk1"/>
+          </a:fillRef>
+          <a:effectRef idx="1">
+            <a:schemeClr val="dk1"/>
+          </a:effectRef>
+          <a:fontRef idx="minor">
+            <a:schemeClr val="tx1"/>
+          </a:fontRef>
+        </p:style>
+      </p:cxnSp>
+    </p:spTree>
+    <p:extLst>
+      <p:ext uri="{BB962C8B-B14F-4D97-AF65-F5344CB8AC3E}">
+        <p14:creationId xmlns:p14="http://schemas.microsoft.com/office/powerpoint/2010/main" val="2429583570"/>
       </p:ext>
     </p:extLst>
   </p:cSld>

--- a/Documents/User manual/DF Ticketing System USER MANUAL.pptx
+++ b/Documents/User manual/DF Ticketing System USER MANUAL.pptx
@@ -27177,10 +27177,10 @@
       </p:sp>
       <p:pic>
         <p:nvPicPr>
-          <p:cNvPr id="4" name="Picture 3">
+          <p:cNvPr id="6" name="Picture 5">
             <a:extLst>
               <a:ext uri="{FF2B5EF4-FFF2-40B4-BE49-F238E27FC236}">
-                <a16:creationId xmlns:a16="http://schemas.microsoft.com/office/drawing/2014/main" id="{9D808006-7735-F897-37F6-E5E19E054009}"/>
+                <a16:creationId xmlns:a16="http://schemas.microsoft.com/office/drawing/2014/main" id="{5A5C78DB-9035-1C94-E081-243A87B62FEE}"/>
               </a:ext>
             </a:extLst>
           </p:cNvPr>
@@ -27197,8 +27197,8 @@
         </p:blipFill>
         <p:spPr>
           <a:xfrm>
-            <a:off x="540774" y="1070136"/>
-            <a:ext cx="10658168" cy="5787864"/>
+            <a:off x="206477" y="957562"/>
+            <a:ext cx="11273398" cy="5681237"/>
           </a:xfrm>
           <a:prstGeom prst="rect">
             <a:avLst/>
